--- a/ARP SNIFFER IN OPEN WIFI.pptx
+++ b/ARP SNIFFER IN OPEN WIFI.pptx
@@ -8,6 +8,8 @@
     <p:sldId id="256" r:id="rId2"/>
     <p:sldId id="257" r:id="rId3"/>
     <p:sldId id="258" r:id="rId4"/>
+    <p:sldId id="259" r:id="rId5"/>
+    <p:sldId id="260" r:id="rId6"/>
   </p:sldIdLst>
   <p:sldSz cx="9144000" cy="6858000" type="screen4x3"/>
   <p:notesSz cx="6858000" cy="9144000"/>
@@ -3162,7 +3164,7 @@
         <p:spPr>
           <a:xfrm>
             <a:off x="3505200" y="1905000"/>
-            <a:ext cx="1573188" cy="400110"/>
+            <a:ext cx="1847429" cy="461665"/>
           </a:xfrm>
           <a:prstGeom prst="rect">
             <a:avLst/>
@@ -3176,7 +3178,7 @@
           <a:lstStyle/>
           <a:p>
             <a:r>
-              <a:rPr lang="en-US" sz="2000" dirty="0" smtClean="0">
+              <a:rPr lang="en-US" sz="2400" dirty="0" smtClean="0">
                 <a:solidFill>
                   <a:schemeClr val="tx1">
                     <a:lumMod val="65000"/>
@@ -3186,7 +3188,7 @@
               </a:rPr>
               <a:t>Submitted by</a:t>
             </a:r>
-            <a:endParaRPr lang="en-US" sz="2000" dirty="0">
+            <a:endParaRPr lang="en-US" sz="2400" dirty="0">
               <a:solidFill>
                 <a:schemeClr val="tx1">
                   <a:lumMod val="65000"/>
@@ -3206,7 +3208,7 @@
         <p:spPr>
           <a:xfrm>
             <a:off x="1447800" y="2438400"/>
-            <a:ext cx="6248400" cy="1338828"/>
+            <a:ext cx="6248400" cy="1697068"/>
           </a:xfrm>
           <a:prstGeom prst="rect">
             <a:avLst/>
@@ -3225,15 +3227,15 @@
               </a:lnSpc>
             </a:pPr>
             <a:r>
-              <a:rPr lang="en-US" b="1" dirty="0" err="1" smtClean="0"/>
+              <a:rPr lang="en-US" sz="2400" b="1" dirty="0" err="1" smtClean="0"/>
               <a:t>MohamedMusthafa</a:t>
             </a:r>
             <a:r>
-              <a:rPr lang="en-US" b="1" dirty="0" smtClean="0"/>
+              <a:rPr lang="en-US" sz="2400" b="1" dirty="0" smtClean="0"/>
               <a:t> M </a:t>
             </a:r>
             <a:r>
-              <a:rPr lang="en-US" b="1" dirty="0" smtClean="0">
+              <a:rPr lang="en-US" sz="2400" b="1" dirty="0" smtClean="0">
                 <a:solidFill>
                   <a:schemeClr val="tx1">
                     <a:lumMod val="50000"/>
@@ -3251,15 +3253,15 @@
               </a:lnSpc>
             </a:pPr>
             <a:r>
-              <a:rPr lang="en-US" b="1" dirty="0" err="1" smtClean="0"/>
+              <a:rPr lang="en-US" sz="2400" b="1" dirty="0" err="1" smtClean="0"/>
               <a:t>DhatshanaMoorthy</a:t>
             </a:r>
             <a:r>
-              <a:rPr lang="en-US" b="1" dirty="0" smtClean="0"/>
+              <a:rPr lang="en-US" sz="2400" b="1" dirty="0" smtClean="0"/>
               <a:t> V </a:t>
             </a:r>
             <a:r>
-              <a:rPr lang="en-US" b="1" dirty="0" smtClean="0">
+              <a:rPr lang="en-US" sz="2400" b="1" dirty="0" smtClean="0">
                 <a:solidFill>
                   <a:schemeClr val="tx1">
                     <a:lumMod val="50000"/>
@@ -3277,19 +3279,19 @@
               </a:lnSpc>
             </a:pPr>
             <a:r>
-              <a:rPr lang="en-US" b="1" dirty="0" err="1" smtClean="0"/>
+              <a:rPr lang="en-US" sz="2400" b="1" dirty="0" err="1" smtClean="0"/>
               <a:t>Manikandan</a:t>
             </a:r>
             <a:r>
-              <a:rPr lang="en-US" b="1" dirty="0" smtClean="0"/>
+              <a:rPr lang="en-US" sz="2400" b="1" dirty="0" smtClean="0"/>
               <a:t> K </a:t>
             </a:r>
             <a:r>
-              <a:rPr lang="en-US" b="1" dirty="0"/>
+              <a:rPr lang="en-US" sz="2400" b="1" dirty="0"/>
               <a:t> </a:t>
             </a:r>
             <a:r>
-              <a:rPr lang="en-US" b="1" dirty="0" smtClean="0">
+              <a:rPr lang="en-US" sz="2400" b="1" dirty="0" smtClean="0">
                 <a:solidFill>
                   <a:schemeClr val="tx1">
                     <a:lumMod val="50000"/>
@@ -3299,7 +3301,7 @@
               </a:rPr>
               <a:t>812418104010</a:t>
             </a:r>
-            <a:endParaRPr lang="en-US" dirty="0">
+            <a:endParaRPr lang="en-US" sz="2400" dirty="0">
               <a:solidFill>
                 <a:schemeClr val="tx1">
                   <a:lumMod val="50000"/>
@@ -3318,8 +3320,8 @@
         </p:nvSpPr>
         <p:spPr>
           <a:xfrm>
-            <a:off x="2743200" y="3962400"/>
-            <a:ext cx="2971800" cy="369332"/>
+            <a:off x="2819400" y="4724400"/>
+            <a:ext cx="2971800" cy="461665"/>
           </a:xfrm>
           <a:prstGeom prst="rect">
             <a:avLst/>
@@ -3334,7 +3336,7 @@
           <a:p>
             <a:pPr algn="ctr"/>
             <a:r>
-              <a:rPr lang="en-US" dirty="0" smtClean="0">
+              <a:rPr lang="en-US" sz="2400" dirty="0" smtClean="0">
                 <a:solidFill>
                   <a:schemeClr val="tx1">
                     <a:lumMod val="50000"/>
@@ -3344,7 +3346,7 @@
               </a:rPr>
               <a:t>Project Guide</a:t>
             </a:r>
-            <a:endParaRPr lang="en-US" dirty="0">
+            <a:endParaRPr lang="en-US" sz="2400" dirty="0">
               <a:solidFill>
                 <a:schemeClr val="tx1">
                   <a:lumMod val="50000"/>
@@ -3363,8 +3365,8 @@
         </p:nvSpPr>
         <p:spPr>
           <a:xfrm>
-            <a:off x="3581400" y="4343400"/>
-            <a:ext cx="1292662" cy="369332"/>
+            <a:off x="3505200" y="5105400"/>
+            <a:ext cx="1885196" cy="523220"/>
           </a:xfrm>
           <a:prstGeom prst="rect">
             <a:avLst/>
@@ -3378,7 +3380,7 @@
           <a:lstStyle/>
           <a:p>
             <a:r>
-              <a:rPr lang="en-US" b="1" dirty="0" err="1" smtClean="0"/>
+              <a:rPr lang="en-US" sz="2800" b="1" dirty="0" err="1" smtClean="0"/>
               <a:t>Ms.Getsyal</a:t>
             </a:r>
             <a:r>
@@ -3433,7 +3435,7 @@
         <p:spPr>
           <a:xfrm>
             <a:off x="533400" y="1143000"/>
-            <a:ext cx="8001000" cy="523220"/>
+            <a:ext cx="8001000" cy="584775"/>
           </a:xfrm>
           <a:prstGeom prst="rect">
             <a:avLst/>
@@ -3448,10 +3450,24 @@
           <a:p>
             <a:pPr algn="ctr"/>
             <a:r>
-              <a:rPr lang="en-US" sz="2800" b="1" dirty="0" smtClean="0"/>
+              <a:rPr lang="en-US" sz="3200" b="1" i="1" dirty="0" smtClean="0">
+                <a:solidFill>
+                  <a:schemeClr val="tx1">
+                    <a:lumMod val="65000"/>
+                    <a:lumOff val="35000"/>
+                  </a:schemeClr>
+                </a:solidFill>
+              </a:rPr>
               <a:t>OBJECTIVE</a:t>
             </a:r>
-            <a:endParaRPr lang="en-US" sz="2800" b="1" dirty="0"/>
+            <a:endParaRPr lang="en-US" sz="3200" b="1" i="1" dirty="0">
+              <a:solidFill>
+                <a:schemeClr val="tx1">
+                  <a:lumMod val="65000"/>
+                  <a:lumOff val="35000"/>
+                </a:schemeClr>
+              </a:solidFill>
+            </a:endParaRPr>
           </a:p>
         </p:txBody>
       </p:sp>
@@ -3464,7 +3480,7 @@
         <p:spPr>
           <a:xfrm>
             <a:off x="228600" y="2057400"/>
-            <a:ext cx="8763000" cy="1200329"/>
+            <a:ext cx="8763000" cy="1384995"/>
           </a:xfrm>
           <a:prstGeom prst="rect">
             <a:avLst/>
@@ -3479,10 +3495,10 @@
           <a:p>
             <a:pPr algn="ctr"/>
             <a:r>
-              <a:rPr lang="en-US" sz="2400" dirty="0" smtClean="0"/>
+              <a:rPr lang="en-US" sz="2800" dirty="0" smtClean="0"/>
               <a:t>To Prevent the ARP Sniffer from the router. If it is sent continuously we can conclude that our network has been affected by ARP poisoning</a:t>
             </a:r>
-            <a:endParaRPr lang="en-US" sz="2400" dirty="0"/>
+            <a:endParaRPr lang="en-US" sz="2800" dirty="0"/>
           </a:p>
         </p:txBody>
       </p:sp>
@@ -3491,6 +3507,16 @@
   <p:clrMapOvr>
     <a:masterClrMapping/>
   </p:clrMapOvr>
+  <p:transition>
+    <p:wipe/>
+  </p:transition>
+  <p:timing>
+    <p:tnLst>
+      <p:par>
+        <p:cTn id="1" dur="indefinite" restart="never" nodeType="tmRoot"/>
+      </p:par>
+    </p:tnLst>
+  </p:timing>
 </p:sld>
 </file>
 
@@ -3520,7 +3546,7 @@
         <p:spPr>
           <a:xfrm>
             <a:off x="152400" y="457200"/>
-            <a:ext cx="8915400" cy="523220"/>
+            <a:ext cx="8915400" cy="584775"/>
           </a:xfrm>
           <a:prstGeom prst="rect">
             <a:avLst/>
@@ -3535,7 +3561,7 @@
           <a:p>
             <a:pPr algn="ctr"/>
             <a:r>
-              <a:rPr lang="en-US" sz="2800" dirty="0" smtClean="0">
+              <a:rPr lang="en-US" sz="3200" b="1" i="1" dirty="0" smtClean="0">
                 <a:solidFill>
                   <a:schemeClr val="tx1">
                     <a:lumMod val="65000"/>
@@ -3545,7 +3571,7 @@
               </a:rPr>
               <a:t>INTRODUCTION</a:t>
             </a:r>
-            <a:endParaRPr lang="en-US" sz="2800" dirty="0">
+            <a:endParaRPr lang="en-US" sz="3200" b="1" i="1" dirty="0">
               <a:solidFill>
                 <a:schemeClr val="tx1">
                   <a:lumMod val="65000"/>
@@ -3564,8 +3590,8 @@
         </p:nvSpPr>
         <p:spPr>
           <a:xfrm>
-            <a:off x="0" y="1371600"/>
-            <a:ext cx="9144000" cy="1754326"/>
+            <a:off x="609600" y="1143000"/>
+            <a:ext cx="8229600" cy="6001643"/>
           </a:xfrm>
           <a:prstGeom prst="rect">
             <a:avLst/>
@@ -3579,27 +3605,273 @@
           <a:lstStyle/>
           <a:p>
             <a:pPr>
+              <a:lnSpc>
+                <a:spcPct val="150000"/>
+              </a:lnSpc>
               <a:buFont typeface="Arial" pitchFamily="34" charset="0"/>
               <a:buChar char="•"/>
             </a:pPr>
             <a:r>
-              <a:rPr lang="en-US" dirty="0" smtClean="0"/>
-              <a:t> One of the most predominant attacks against  institutions as well as individuals is the Man-in-         the Middle attack.</a:t>
+              <a:rPr lang="en-US" sz="2800" b="1" dirty="0" smtClean="0"/>
+              <a:t> </a:t>
+            </a:r>
+            <a:r>
+              <a:rPr lang="en-US" sz="2800" dirty="0" smtClean="0"/>
+              <a:t>One of the most predominant attacks against  institutions as well as individuals is the Man-in- the Middle attack.</a:t>
             </a:r>
           </a:p>
           <a:p>
             <a:pPr>
+              <a:lnSpc>
+                <a:spcPct val="150000"/>
+              </a:lnSpc>
               <a:buFont typeface="Arial" pitchFamily="34" charset="0"/>
               <a:buChar char="•"/>
             </a:pPr>
             <a:r>
+              <a:rPr lang="en-US" sz="2800" dirty="0" smtClean="0"/>
+              <a:t> Request-Response protocol.</a:t>
+            </a:r>
+          </a:p>
+          <a:p>
+            <a:pPr>
+              <a:lnSpc>
+                <a:spcPct val="150000"/>
+              </a:lnSpc>
+              <a:buFont typeface="Arial" pitchFamily="34" charset="0"/>
+              <a:buChar char="•"/>
+            </a:pPr>
+            <a:r>
+              <a:rPr lang="en-US" sz="2800" dirty="0" smtClean="0"/>
+              <a:t> Inside the link layer protocol.</a:t>
+            </a:r>
+          </a:p>
+          <a:p>
+            <a:pPr>
+              <a:lnSpc>
+                <a:spcPct val="150000"/>
+              </a:lnSpc>
+              <a:buFont typeface="Arial" pitchFamily="34" charset="0"/>
+              <a:buChar char="•"/>
+            </a:pPr>
+            <a:r>
+              <a:rPr lang="en-US" sz="2800" dirty="0" smtClean="0"/>
+              <a:t> Using Bash scripting in </a:t>
+            </a:r>
+            <a:r>
+              <a:rPr lang="en-US" sz="2800" dirty="0" err="1" smtClean="0"/>
+              <a:t>debian</a:t>
+            </a:r>
+            <a:r>
+              <a:rPr lang="en-US" sz="2800" dirty="0" smtClean="0"/>
+              <a:t> based system to prevent this attack</a:t>
+            </a:r>
+            <a:r>
+              <a:rPr lang="en-US" sz="2800" b="1" dirty="0" smtClean="0"/>
+              <a:t>.</a:t>
+            </a:r>
+          </a:p>
+          <a:p>
+            <a:pPr lvl="1">
+              <a:lnSpc>
+                <a:spcPct val="150000"/>
+              </a:lnSpc>
+            </a:pPr>
+            <a:r>
+              <a:rPr lang="en-US" b="1" dirty="0" smtClean="0"/>
+              <a:t>			</a:t>
+            </a:r>
+          </a:p>
+          <a:p>
+            <a:pPr>
+              <a:lnSpc>
+                <a:spcPct val="150000"/>
+              </a:lnSpc>
+            </a:pPr>
+            <a:endParaRPr lang="en-US" b="1" dirty="0" smtClean="0"/>
+          </a:p>
+          <a:p>
+            <a:endParaRPr lang="en-US" dirty="0" smtClean="0"/>
+          </a:p>
+          <a:p>
+            <a:endParaRPr lang="en-US" dirty="0"/>
+          </a:p>
+        </p:txBody>
+      </p:sp>
+    </p:spTree>
+  </p:cSld>
+  <p:clrMapOvr>
+    <a:masterClrMapping/>
+  </p:clrMapOvr>
+  <p:transition>
+    <p:wipe/>
+  </p:transition>
+  <p:timing>
+    <p:tnLst>
+      <p:par>
+        <p:cTn id="1" dur="indefinite" restart="never" nodeType="tmRoot"/>
+      </p:par>
+    </p:tnLst>
+  </p:timing>
+</p:sld>
+</file>
+
+<file path=ppt/slides/slide4.xml><?xml version="1.0" encoding="utf-8"?>
+<p:sld xmlns:a="http://schemas.openxmlformats.org/drawingml/2006/main" xmlns:r="http://schemas.openxmlformats.org/officeDocument/2006/relationships" xmlns:p="http://schemas.openxmlformats.org/presentationml/2006/main">
+  <p:cSld>
+    <p:spTree>
+      <p:nvGrpSpPr>
+        <p:cNvPr id="1" name=""/>
+        <p:cNvGrpSpPr/>
+        <p:nvPr/>
+      </p:nvGrpSpPr>
+      <p:grpSpPr>
+        <a:xfrm>
+          <a:off x="0" y="0"/>
+          <a:ext cx="0" cy="0"/>
+          <a:chOff x="0" y="0"/>
+          <a:chExt cx="0" cy="0"/>
+        </a:xfrm>
+      </p:grpSpPr>
+      <p:sp>
+        <p:nvSpPr>
+          <p:cNvPr id="2" name="Title 1"/>
+          <p:cNvSpPr>
+            <a:spLocks noGrp="1"/>
+          </p:cNvSpPr>
+          <p:nvPr>
+            <p:ph type="title"/>
+          </p:nvPr>
+        </p:nvSpPr>
+        <p:spPr/>
+        <p:txBody>
+          <a:bodyPr/>
+          <a:lstStyle/>
+          <a:p>
+            <a:r>
+              <a:rPr lang="en-US" b="1" i="1" dirty="0" smtClean="0">
+                <a:solidFill>
+                  <a:schemeClr val="tx1">
+                    <a:lumMod val="50000"/>
+                    <a:lumOff val="50000"/>
+                  </a:schemeClr>
+                </a:solidFill>
+              </a:rPr>
+              <a:t>EXISTING SYSTEM</a:t>
+            </a:r>
+            <a:endParaRPr lang="en-US" b="1" i="1" dirty="0">
+              <a:solidFill>
+                <a:schemeClr val="tx1">
+                  <a:lumMod val="50000"/>
+                  <a:lumOff val="50000"/>
+                </a:schemeClr>
+              </a:solidFill>
+            </a:endParaRPr>
+          </a:p>
+        </p:txBody>
+      </p:sp>
+      <p:sp>
+        <p:nvSpPr>
+          <p:cNvPr id="3" name="Content Placeholder 2"/>
+          <p:cNvSpPr>
+            <a:spLocks noGrp="1"/>
+          </p:cNvSpPr>
+          <p:nvPr>
+            <p:ph idx="1"/>
+          </p:nvPr>
+        </p:nvSpPr>
+        <p:spPr/>
+        <p:txBody>
+          <a:bodyPr/>
+          <a:lstStyle/>
+          <a:p>
+            <a:r>
+              <a:rPr lang="en-US" sz="2800" dirty="0" smtClean="0"/>
+              <a:t>In Existing system, It prevent the attack only once.</a:t>
+            </a:r>
+          </a:p>
+          <a:p>
+            <a:r>
+              <a:rPr lang="en-US" sz="2800" dirty="0" smtClean="0"/>
+              <a:t>If attacker do again and again it can’t able to detect or prevent ARP poisoning attack.</a:t>
+            </a:r>
+          </a:p>
+          <a:p>
+            <a:r>
+              <a:rPr lang="en-US" sz="2800" dirty="0" smtClean="0"/>
+              <a:t>It cant work 5GHz network</a:t>
+            </a:r>
+          </a:p>
+          <a:p>
+            <a:endParaRPr lang="en-US" dirty="0" smtClean="0"/>
+          </a:p>
+          <a:p>
+            <a:endParaRPr lang="en-US" dirty="0" smtClean="0"/>
+          </a:p>
+        </p:txBody>
+      </p:sp>
+    </p:spTree>
+  </p:cSld>
+  <p:clrMapOvr>
+    <a:masterClrMapping/>
+  </p:clrMapOvr>
+</p:sld>
+</file>
+
+<file path=ppt/slides/slide5.xml><?xml version="1.0" encoding="utf-8"?>
+<p:sld xmlns:a="http://schemas.openxmlformats.org/drawingml/2006/main" xmlns:r="http://schemas.openxmlformats.org/officeDocument/2006/relationships" xmlns:p="http://schemas.openxmlformats.org/presentationml/2006/main">
+  <p:cSld>
+    <p:spTree>
+      <p:nvGrpSpPr>
+        <p:cNvPr id="1" name=""/>
+        <p:cNvGrpSpPr/>
+        <p:nvPr/>
+      </p:nvGrpSpPr>
+      <p:grpSpPr>
+        <a:xfrm>
+          <a:off x="0" y="0"/>
+          <a:ext cx="0" cy="0"/>
+          <a:chOff x="0" y="0"/>
+          <a:chExt cx="0" cy="0"/>
+        </a:xfrm>
+      </p:grpSpPr>
+      <p:sp>
+        <p:nvSpPr>
+          <p:cNvPr id="2" name="Title 1"/>
+          <p:cNvSpPr>
+            <a:spLocks noGrp="1"/>
+          </p:cNvSpPr>
+          <p:nvPr>
+            <p:ph type="title"/>
+          </p:nvPr>
+        </p:nvSpPr>
+        <p:spPr/>
+        <p:txBody>
+          <a:bodyPr/>
+          <a:lstStyle/>
+          <a:p>
+            <a:r>
               <a:rPr lang="en-US" dirty="0" smtClean="0"/>
-              <a:t>This attack makes use of vulnerabilities in the ARP protocol in order to eavesdrop on       communication</a:t>
-            </a:r>
-          </a:p>
-          <a:p>
-            <a:endParaRPr lang="en-US" dirty="0" smtClean="0"/>
-          </a:p>
+              <a:t>PROPOSED SYSTEM</a:t>
+            </a:r>
+            <a:endParaRPr lang="en-US" dirty="0"/>
+          </a:p>
+        </p:txBody>
+      </p:sp>
+      <p:sp>
+        <p:nvSpPr>
+          <p:cNvPr id="3" name="Content Placeholder 2"/>
+          <p:cNvSpPr>
+            <a:spLocks noGrp="1"/>
+          </p:cNvSpPr>
+          <p:nvPr>
+            <p:ph idx="1"/>
+          </p:nvPr>
+        </p:nvSpPr>
+        <p:spPr/>
+        <p:txBody>
+          <a:bodyPr/>
+          <a:lstStyle/>
           <a:p>
             <a:endParaRPr lang="en-US" dirty="0"/>
           </a:p>

--- a/ARP SNIFFER IN OPEN WIFI.pptx
+++ b/ARP SNIFFER IN OPEN WIFI.pptx
@@ -10,6 +10,7 @@
     <p:sldId id="258" r:id="rId4"/>
     <p:sldId id="259" r:id="rId5"/>
     <p:sldId id="260" r:id="rId6"/>
+    <p:sldId id="261" r:id="rId7"/>
   </p:sldIdLst>
   <p:sldSz cx="9144000" cy="6858000" type="screen4x3"/>
   <p:notesSz cx="6858000" cy="9144000"/>
@@ -3803,6 +3804,12 @@
             </a:r>
           </a:p>
           <a:p>
+            <a:r>
+              <a:rPr lang="en-US" sz="2800" dirty="0" smtClean="0"/>
+              <a:t>It just create a tool and cant able to update with new tech</a:t>
+            </a:r>
+          </a:p>
+          <a:p>
             <a:endParaRPr lang="en-US" dirty="0" smtClean="0"/>
           </a:p>
           <a:p>
@@ -3873,10 +3880,587 @@
           <a:bodyPr/>
           <a:lstStyle/>
           <a:p>
+            <a:r>
+              <a:rPr lang="en-US" dirty="0" smtClean="0"/>
+              <a:t>To implement the bash scripting algorithm.</a:t>
+            </a:r>
+          </a:p>
+          <a:p>
+            <a:endParaRPr lang="en-US" dirty="0" smtClean="0"/>
+          </a:p>
+          <a:p>
+            <a:pPr>
+              <a:buNone/>
+            </a:pPr>
             <a:endParaRPr lang="en-US" dirty="0"/>
           </a:p>
         </p:txBody>
       </p:sp>
+    </p:spTree>
+  </p:cSld>
+  <p:clrMapOvr>
+    <a:masterClrMapping/>
+  </p:clrMapOvr>
+</p:sld>
+</file>
+
+<file path=ppt/slides/slide6.xml><?xml version="1.0" encoding="utf-8"?>
+<p:sld xmlns:a="http://schemas.openxmlformats.org/drawingml/2006/main" xmlns:r="http://schemas.openxmlformats.org/officeDocument/2006/relationships" xmlns:p="http://schemas.openxmlformats.org/presentationml/2006/main">
+  <p:cSld>
+    <p:spTree>
+      <p:nvGrpSpPr>
+        <p:cNvPr id="1" name=""/>
+        <p:cNvGrpSpPr/>
+        <p:nvPr/>
+      </p:nvGrpSpPr>
+      <p:grpSpPr>
+        <a:xfrm>
+          <a:off x="0" y="0"/>
+          <a:ext cx="0" cy="0"/>
+          <a:chOff x="0" y="0"/>
+          <a:chExt cx="0" cy="0"/>
+        </a:xfrm>
+      </p:grpSpPr>
+      <p:sp>
+        <p:nvSpPr>
+          <p:cNvPr id="2" name="Title 1"/>
+          <p:cNvSpPr>
+            <a:spLocks noGrp="1"/>
+          </p:cNvSpPr>
+          <p:nvPr>
+            <p:ph type="title"/>
+          </p:nvPr>
+        </p:nvSpPr>
+        <p:spPr/>
+        <p:txBody>
+          <a:bodyPr/>
+          <a:lstStyle/>
+          <a:p>
+            <a:r>
+              <a:rPr lang="en-US" dirty="0" smtClean="0"/>
+              <a:t>LITERATURE REVIEW</a:t>
+            </a:r>
+            <a:endParaRPr lang="en-US" dirty="0"/>
+          </a:p>
+        </p:txBody>
+      </p:sp>
+      <p:graphicFrame>
+        <p:nvGraphicFramePr>
+          <p:cNvPr id="4" name="Content Placeholder 3"/>
+          <p:cNvGraphicFramePr>
+            <a:graphicFrameLocks noGrp="1"/>
+          </p:cNvGraphicFramePr>
+          <p:nvPr>
+            <p:ph idx="1"/>
+          </p:nvPr>
+        </p:nvGraphicFramePr>
+        <p:xfrm>
+          <a:off x="457200" y="1600200"/>
+          <a:ext cx="8229599" cy="4876801"/>
+        </p:xfrm>
+        <a:graphic>
+          <a:graphicData uri="http://schemas.openxmlformats.org/drawingml/2006/table">
+            <a:tbl>
+              <a:tblPr firstRow="1" bandRow="1">
+                <a:tableStyleId>{5940675A-B579-460E-94D1-54222C63F5DA}</a:tableStyleId>
+              </a:tblPr>
+              <a:tblGrid>
+                <a:gridCol w="762000"/>
+                <a:gridCol w="1371600"/>
+                <a:gridCol w="1219200"/>
+                <a:gridCol w="1295400"/>
+                <a:gridCol w="1230085"/>
+                <a:gridCol w="1175657"/>
+                <a:gridCol w="1175657"/>
+              </a:tblGrid>
+              <a:tr h="1046896">
+                <a:tc>
+                  <a:txBody>
+                    <a:bodyPr/>
+                    <a:lstStyle/>
+                    <a:p>
+                      <a:r>
+                        <a:rPr lang="en-US" sz="1600" b="1" dirty="0" smtClean="0"/>
+                        <a:t>S.NO</a:t>
+                      </a:r>
+                      <a:endParaRPr lang="en-US" sz="1600" b="1" dirty="0"/>
+                    </a:p>
+                  </a:txBody>
+                  <a:tcPr/>
+                </a:tc>
+                <a:tc>
+                  <a:txBody>
+                    <a:bodyPr/>
+                    <a:lstStyle/>
+                    <a:p>
+                      <a:r>
+                        <a:rPr lang="en-US" sz="1600" b="1" dirty="0" smtClean="0"/>
+                        <a:t>Title</a:t>
+                      </a:r>
+                      <a:endParaRPr lang="en-US" sz="1600" b="1" dirty="0"/>
+                    </a:p>
+                  </a:txBody>
+                  <a:tcPr/>
+                </a:tc>
+                <a:tc>
+                  <a:txBody>
+                    <a:bodyPr/>
+                    <a:lstStyle/>
+                    <a:p>
+                      <a:r>
+                        <a:rPr lang="en-US" sz="1600" b="1" dirty="0" smtClean="0"/>
+                        <a:t>Author</a:t>
+                      </a:r>
+                      <a:endParaRPr lang="en-US" sz="1600" b="1" dirty="0"/>
+                    </a:p>
+                  </a:txBody>
+                  <a:tcPr/>
+                </a:tc>
+                <a:tc>
+                  <a:txBody>
+                    <a:bodyPr/>
+                    <a:lstStyle/>
+                    <a:p>
+                      <a:r>
+                        <a:rPr lang="en-US" sz="1600" b="1" dirty="0" smtClean="0"/>
+                        <a:t>Journals</a:t>
+                      </a:r>
+                      <a:r>
+                        <a:rPr lang="en-US" sz="1600" b="1" baseline="0" dirty="0" smtClean="0"/>
+                        <a:t> name and year</a:t>
+                      </a:r>
+                      <a:endParaRPr lang="en-US" sz="1600" b="1" dirty="0"/>
+                    </a:p>
+                  </a:txBody>
+                  <a:tcPr/>
+                </a:tc>
+                <a:tc>
+                  <a:txBody>
+                    <a:bodyPr/>
+                    <a:lstStyle/>
+                    <a:p>
+                      <a:r>
+                        <a:rPr lang="en-US" sz="1600" b="1" dirty="0" smtClean="0"/>
+                        <a:t>Technology used</a:t>
+                      </a:r>
+                      <a:endParaRPr lang="en-US" sz="1600" b="1" dirty="0"/>
+                    </a:p>
+                  </a:txBody>
+                  <a:tcPr/>
+                </a:tc>
+                <a:tc>
+                  <a:txBody>
+                    <a:bodyPr/>
+                    <a:lstStyle/>
+                    <a:p>
+                      <a:r>
+                        <a:rPr lang="en-US" sz="1600" b="1" dirty="0" smtClean="0"/>
+                        <a:t>Merits</a:t>
+                      </a:r>
+                      <a:endParaRPr lang="en-US" sz="1600" b="1" dirty="0"/>
+                    </a:p>
+                  </a:txBody>
+                  <a:tcPr/>
+                </a:tc>
+                <a:tc>
+                  <a:txBody>
+                    <a:bodyPr/>
+                    <a:lstStyle/>
+                    <a:p>
+                      <a:r>
+                        <a:rPr lang="en-US" sz="1600" b="1" dirty="0" smtClean="0"/>
+                        <a:t>Demerits</a:t>
+                      </a:r>
+                      <a:endParaRPr lang="en-US" sz="1600" b="1" dirty="0"/>
+                    </a:p>
+                  </a:txBody>
+                  <a:tcPr/>
+                </a:tc>
+              </a:tr>
+              <a:tr h="765981">
+                <a:tc>
+                  <a:txBody>
+                    <a:bodyPr/>
+                    <a:lstStyle/>
+                    <a:p>
+                      <a:r>
+                        <a:rPr lang="en-US" dirty="0" smtClean="0"/>
+                        <a:t>1</a:t>
+                      </a:r>
+                      <a:endParaRPr lang="en-US" dirty="0"/>
+                    </a:p>
+                  </a:txBody>
+                  <a:tcPr/>
+                </a:tc>
+                <a:tc>
+                  <a:txBody>
+                    <a:bodyPr/>
+                    <a:lstStyle/>
+                    <a:p>
+                      <a:endParaRPr lang="en-US" dirty="0"/>
+                    </a:p>
+                  </a:txBody>
+                  <a:tcPr/>
+                </a:tc>
+                <a:tc>
+                  <a:txBody>
+                    <a:bodyPr/>
+                    <a:lstStyle/>
+                    <a:p>
+                      <a:endParaRPr lang="en-US" dirty="0"/>
+                    </a:p>
+                  </a:txBody>
+                  <a:tcPr/>
+                </a:tc>
+                <a:tc>
+                  <a:txBody>
+                    <a:bodyPr/>
+                    <a:lstStyle/>
+                    <a:p>
+                      <a:endParaRPr lang="en-US" dirty="0"/>
+                    </a:p>
+                  </a:txBody>
+                  <a:tcPr/>
+                </a:tc>
+                <a:tc>
+                  <a:txBody>
+                    <a:bodyPr/>
+                    <a:lstStyle/>
+                    <a:p>
+                      <a:endParaRPr lang="en-US" dirty="0"/>
+                    </a:p>
+                  </a:txBody>
+                  <a:tcPr/>
+                </a:tc>
+                <a:tc>
+                  <a:txBody>
+                    <a:bodyPr/>
+                    <a:lstStyle/>
+                    <a:p>
+                      <a:endParaRPr lang="en-US"/>
+                    </a:p>
+                  </a:txBody>
+                  <a:tcPr/>
+                </a:tc>
+                <a:tc>
+                  <a:txBody>
+                    <a:bodyPr/>
+                    <a:lstStyle/>
+                    <a:p>
+                      <a:endParaRPr lang="en-US"/>
+                    </a:p>
+                  </a:txBody>
+                  <a:tcPr/>
+                </a:tc>
+              </a:tr>
+              <a:tr h="765981">
+                <a:tc>
+                  <a:txBody>
+                    <a:bodyPr/>
+                    <a:lstStyle/>
+                    <a:p>
+                      <a:r>
+                        <a:rPr lang="en-US" dirty="0" smtClean="0"/>
+                        <a:t>2</a:t>
+                      </a:r>
+                      <a:endParaRPr lang="en-US" dirty="0"/>
+                    </a:p>
+                  </a:txBody>
+                  <a:tcPr/>
+                </a:tc>
+                <a:tc>
+                  <a:txBody>
+                    <a:bodyPr/>
+                    <a:lstStyle/>
+                    <a:p>
+                      <a:endParaRPr lang="en-US"/>
+                    </a:p>
+                  </a:txBody>
+                  <a:tcPr/>
+                </a:tc>
+                <a:tc>
+                  <a:txBody>
+                    <a:bodyPr/>
+                    <a:lstStyle/>
+                    <a:p>
+                      <a:endParaRPr lang="en-US"/>
+                    </a:p>
+                  </a:txBody>
+                  <a:tcPr/>
+                </a:tc>
+                <a:tc>
+                  <a:txBody>
+                    <a:bodyPr/>
+                    <a:lstStyle/>
+                    <a:p>
+                      <a:endParaRPr lang="en-US"/>
+                    </a:p>
+                  </a:txBody>
+                  <a:tcPr/>
+                </a:tc>
+                <a:tc>
+                  <a:txBody>
+                    <a:bodyPr/>
+                    <a:lstStyle/>
+                    <a:p>
+                      <a:endParaRPr lang="en-US"/>
+                    </a:p>
+                  </a:txBody>
+                  <a:tcPr/>
+                </a:tc>
+                <a:tc>
+                  <a:txBody>
+                    <a:bodyPr/>
+                    <a:lstStyle/>
+                    <a:p>
+                      <a:endParaRPr lang="en-US"/>
+                    </a:p>
+                  </a:txBody>
+                  <a:tcPr/>
+                </a:tc>
+                <a:tc>
+                  <a:txBody>
+                    <a:bodyPr/>
+                    <a:lstStyle/>
+                    <a:p>
+                      <a:endParaRPr lang="en-US"/>
+                    </a:p>
+                  </a:txBody>
+                  <a:tcPr/>
+                </a:tc>
+              </a:tr>
+              <a:tr h="765981">
+                <a:tc>
+                  <a:txBody>
+                    <a:bodyPr/>
+                    <a:lstStyle/>
+                    <a:p>
+                      <a:r>
+                        <a:rPr lang="en-US" dirty="0" smtClean="0"/>
+                        <a:t>3</a:t>
+                      </a:r>
+                      <a:endParaRPr lang="en-US" dirty="0"/>
+                    </a:p>
+                  </a:txBody>
+                  <a:tcPr/>
+                </a:tc>
+                <a:tc>
+                  <a:txBody>
+                    <a:bodyPr/>
+                    <a:lstStyle/>
+                    <a:p>
+                      <a:endParaRPr lang="en-US"/>
+                    </a:p>
+                  </a:txBody>
+                  <a:tcPr/>
+                </a:tc>
+                <a:tc>
+                  <a:txBody>
+                    <a:bodyPr/>
+                    <a:lstStyle/>
+                    <a:p>
+                      <a:endParaRPr lang="en-US"/>
+                    </a:p>
+                  </a:txBody>
+                  <a:tcPr/>
+                </a:tc>
+                <a:tc>
+                  <a:txBody>
+                    <a:bodyPr/>
+                    <a:lstStyle/>
+                    <a:p>
+                      <a:endParaRPr lang="en-US"/>
+                    </a:p>
+                  </a:txBody>
+                  <a:tcPr/>
+                </a:tc>
+                <a:tc>
+                  <a:txBody>
+                    <a:bodyPr/>
+                    <a:lstStyle/>
+                    <a:p>
+                      <a:endParaRPr lang="en-US"/>
+                    </a:p>
+                  </a:txBody>
+                  <a:tcPr/>
+                </a:tc>
+                <a:tc>
+                  <a:txBody>
+                    <a:bodyPr/>
+                    <a:lstStyle/>
+                    <a:p>
+                      <a:endParaRPr lang="en-US"/>
+                    </a:p>
+                  </a:txBody>
+                  <a:tcPr/>
+                </a:tc>
+                <a:tc>
+                  <a:txBody>
+                    <a:bodyPr/>
+                    <a:lstStyle/>
+                    <a:p>
+                      <a:endParaRPr lang="en-US"/>
+                    </a:p>
+                  </a:txBody>
+                  <a:tcPr/>
+                </a:tc>
+              </a:tr>
+              <a:tr h="765981">
+                <a:tc>
+                  <a:txBody>
+                    <a:bodyPr/>
+                    <a:lstStyle/>
+                    <a:p>
+                      <a:r>
+                        <a:rPr lang="en-US" dirty="0" smtClean="0"/>
+                        <a:t>4</a:t>
+                      </a:r>
+                      <a:endParaRPr lang="en-US" dirty="0"/>
+                    </a:p>
+                  </a:txBody>
+                  <a:tcPr/>
+                </a:tc>
+                <a:tc>
+                  <a:txBody>
+                    <a:bodyPr/>
+                    <a:lstStyle/>
+                    <a:p>
+                      <a:endParaRPr lang="en-US"/>
+                    </a:p>
+                  </a:txBody>
+                  <a:tcPr/>
+                </a:tc>
+                <a:tc>
+                  <a:txBody>
+                    <a:bodyPr/>
+                    <a:lstStyle/>
+                    <a:p>
+                      <a:endParaRPr lang="en-US"/>
+                    </a:p>
+                  </a:txBody>
+                  <a:tcPr/>
+                </a:tc>
+                <a:tc>
+                  <a:txBody>
+                    <a:bodyPr/>
+                    <a:lstStyle/>
+                    <a:p>
+                      <a:endParaRPr lang="en-US"/>
+                    </a:p>
+                  </a:txBody>
+                  <a:tcPr/>
+                </a:tc>
+                <a:tc>
+                  <a:txBody>
+                    <a:bodyPr/>
+                    <a:lstStyle/>
+                    <a:p>
+                      <a:endParaRPr lang="en-US"/>
+                    </a:p>
+                  </a:txBody>
+                  <a:tcPr/>
+                </a:tc>
+                <a:tc>
+                  <a:txBody>
+                    <a:bodyPr/>
+                    <a:lstStyle/>
+                    <a:p>
+                      <a:endParaRPr lang="en-US"/>
+                    </a:p>
+                  </a:txBody>
+                  <a:tcPr/>
+                </a:tc>
+                <a:tc>
+                  <a:txBody>
+                    <a:bodyPr/>
+                    <a:lstStyle/>
+                    <a:p>
+                      <a:endParaRPr lang="en-US"/>
+                    </a:p>
+                  </a:txBody>
+                  <a:tcPr/>
+                </a:tc>
+              </a:tr>
+              <a:tr h="765981">
+                <a:tc>
+                  <a:txBody>
+                    <a:bodyPr/>
+                    <a:lstStyle/>
+                    <a:p>
+                      <a:r>
+                        <a:rPr lang="en-US" dirty="0" smtClean="0"/>
+                        <a:t>5</a:t>
+                      </a:r>
+                      <a:endParaRPr lang="en-US" dirty="0"/>
+                    </a:p>
+                  </a:txBody>
+                  <a:tcPr/>
+                </a:tc>
+                <a:tc>
+                  <a:txBody>
+                    <a:bodyPr/>
+                    <a:lstStyle/>
+                    <a:p>
+                      <a:endParaRPr lang="en-US"/>
+                    </a:p>
+                  </a:txBody>
+                  <a:tcPr/>
+                </a:tc>
+                <a:tc>
+                  <a:txBody>
+                    <a:bodyPr/>
+                    <a:lstStyle/>
+                    <a:p>
+                      <a:endParaRPr lang="en-US"/>
+                    </a:p>
+                  </a:txBody>
+                  <a:tcPr/>
+                </a:tc>
+                <a:tc>
+                  <a:txBody>
+                    <a:bodyPr/>
+                    <a:lstStyle/>
+                    <a:p>
+                      <a:endParaRPr lang="en-US"/>
+                    </a:p>
+                  </a:txBody>
+                  <a:tcPr/>
+                </a:tc>
+                <a:tc>
+                  <a:txBody>
+                    <a:bodyPr/>
+                    <a:lstStyle/>
+                    <a:p>
+                      <a:endParaRPr lang="en-US"/>
+                    </a:p>
+                  </a:txBody>
+                  <a:tcPr/>
+                </a:tc>
+                <a:tc>
+                  <a:txBody>
+                    <a:bodyPr/>
+                    <a:lstStyle/>
+                    <a:p>
+                      <a:endParaRPr lang="en-US"/>
+                    </a:p>
+                  </a:txBody>
+                  <a:tcPr/>
+                </a:tc>
+                <a:tc>
+                  <a:txBody>
+                    <a:bodyPr/>
+                    <a:lstStyle/>
+                    <a:p>
+                      <a:endParaRPr lang="en-US" dirty="0"/>
+                    </a:p>
+                  </a:txBody>
+                  <a:tcPr/>
+                </a:tc>
+              </a:tr>
+            </a:tbl>
+          </a:graphicData>
+        </a:graphic>
+      </p:graphicFrame>
     </p:spTree>
   </p:cSld>
   <p:clrMapOvr>

--- a/ARP SNIFFER IN OPEN WIFI.pptx
+++ b/ARP SNIFFER IN OPEN WIFI.pptx
@@ -4,6 +4,9 @@
   <p:sldMasterIdLst>
     <p:sldMasterId id="2147483876" r:id="rId1"/>
   </p:sldMasterIdLst>
+  <p:notesMasterIdLst>
+    <p:notesMasterId r:id="rId8"/>
+  </p:notesMasterIdLst>
   <p:sldIdLst>
     <p:sldId id="256" r:id="rId2"/>
     <p:sldId id="257" r:id="rId3"/>
@@ -110,6 +113,434 @@
     </a:lvl9pPr>
   </p:defaultTextStyle>
 </p:presentation>
+</file>
+
+<file path=ppt/notesMasters/notesMaster1.xml><?xml version="1.0" encoding="utf-8"?>
+<p:notesMaster xmlns:a="http://schemas.openxmlformats.org/drawingml/2006/main" xmlns:r="http://schemas.openxmlformats.org/officeDocument/2006/relationships" xmlns:p="http://schemas.openxmlformats.org/presentationml/2006/main">
+  <p:cSld>
+    <p:bg>
+      <p:bgRef idx="1001">
+        <a:schemeClr val="bg1"/>
+      </p:bgRef>
+    </p:bg>
+    <p:spTree>
+      <p:nvGrpSpPr>
+        <p:cNvPr id="1" name=""/>
+        <p:cNvGrpSpPr/>
+        <p:nvPr/>
+      </p:nvGrpSpPr>
+      <p:grpSpPr>
+        <a:xfrm>
+          <a:off x="0" y="0"/>
+          <a:ext cx="0" cy="0"/>
+          <a:chOff x="0" y="0"/>
+          <a:chExt cx="0" cy="0"/>
+        </a:xfrm>
+      </p:grpSpPr>
+      <p:sp>
+        <p:nvSpPr>
+          <p:cNvPr id="2" name="Header Placeholder 1"/>
+          <p:cNvSpPr>
+            <a:spLocks noGrp="1"/>
+          </p:cNvSpPr>
+          <p:nvPr>
+            <p:ph type="hdr" sz="quarter"/>
+          </p:nvPr>
+        </p:nvSpPr>
+        <p:spPr>
+          <a:xfrm>
+            <a:off x="0" y="0"/>
+            <a:ext cx="2971800" cy="457200"/>
+          </a:xfrm>
+          <a:prstGeom prst="rect">
+            <a:avLst/>
+          </a:prstGeom>
+        </p:spPr>
+        <p:txBody>
+          <a:bodyPr vert="horz" lIns="91440" tIns="45720" rIns="91440" bIns="45720" rtlCol="0"/>
+          <a:lstStyle>
+            <a:lvl1pPr algn="l">
+              <a:defRPr sz="1200"/>
+            </a:lvl1pPr>
+          </a:lstStyle>
+          <a:p>
+            <a:endParaRPr lang="en-US"/>
+          </a:p>
+        </p:txBody>
+      </p:sp>
+      <p:sp>
+        <p:nvSpPr>
+          <p:cNvPr id="3" name="Date Placeholder 2"/>
+          <p:cNvSpPr>
+            <a:spLocks noGrp="1"/>
+          </p:cNvSpPr>
+          <p:nvPr>
+            <p:ph type="dt" idx="1"/>
+          </p:nvPr>
+        </p:nvSpPr>
+        <p:spPr>
+          <a:xfrm>
+            <a:off x="3884613" y="0"/>
+            <a:ext cx="2971800" cy="457200"/>
+          </a:xfrm>
+          <a:prstGeom prst="rect">
+            <a:avLst/>
+          </a:prstGeom>
+        </p:spPr>
+        <p:txBody>
+          <a:bodyPr vert="horz" lIns="91440" tIns="45720" rIns="91440" bIns="45720" rtlCol="0"/>
+          <a:lstStyle>
+            <a:lvl1pPr algn="r">
+              <a:defRPr sz="1200"/>
+            </a:lvl1pPr>
+          </a:lstStyle>
+          <a:p>
+            <a:fld id="{9CC613BD-0CE1-48CF-8C57-83E1E1368783}" type="datetimeFigureOut">
+              <a:rPr lang="en-US" smtClean="0"/>
+              <a:t>3/28/2022</a:t>
+            </a:fld>
+            <a:endParaRPr lang="en-US"/>
+          </a:p>
+        </p:txBody>
+      </p:sp>
+      <p:sp>
+        <p:nvSpPr>
+          <p:cNvPr id="4" name="Slide Image Placeholder 3"/>
+          <p:cNvSpPr>
+            <a:spLocks noGrp="1" noRot="1" noChangeAspect="1"/>
+          </p:cNvSpPr>
+          <p:nvPr>
+            <p:ph type="sldImg" idx="2"/>
+          </p:nvPr>
+        </p:nvSpPr>
+        <p:spPr>
+          <a:xfrm>
+            <a:off x="1143000" y="685800"/>
+            <a:ext cx="4572000" cy="3429000"/>
+          </a:xfrm>
+          <a:prstGeom prst="rect">
+            <a:avLst/>
+          </a:prstGeom>
+          <a:noFill/>
+          <a:ln w="12700">
+            <a:solidFill>
+              <a:prstClr val="black"/>
+            </a:solidFill>
+          </a:ln>
+        </p:spPr>
+        <p:txBody>
+          <a:bodyPr vert="horz" lIns="91440" tIns="45720" rIns="91440" bIns="45720" rtlCol="0" anchor="ctr"/>
+          <a:lstStyle/>
+          <a:p>
+            <a:endParaRPr lang="en-US"/>
+          </a:p>
+        </p:txBody>
+      </p:sp>
+      <p:sp>
+        <p:nvSpPr>
+          <p:cNvPr id="5" name="Notes Placeholder 4"/>
+          <p:cNvSpPr>
+            <a:spLocks noGrp="1"/>
+          </p:cNvSpPr>
+          <p:nvPr>
+            <p:ph type="body" sz="quarter" idx="3"/>
+          </p:nvPr>
+        </p:nvSpPr>
+        <p:spPr>
+          <a:xfrm>
+            <a:off x="685800" y="4343400"/>
+            <a:ext cx="5486400" cy="4114800"/>
+          </a:xfrm>
+          <a:prstGeom prst="rect">
+            <a:avLst/>
+          </a:prstGeom>
+        </p:spPr>
+        <p:txBody>
+          <a:bodyPr vert="horz" lIns="91440" tIns="45720" rIns="91440" bIns="45720" rtlCol="0">
+            <a:normAutofit/>
+          </a:bodyPr>
+          <a:lstStyle/>
+          <a:p>
+            <a:pPr lvl="0"/>
+            <a:r>
+              <a:rPr lang="en-US" smtClean="0"/>
+              <a:t>Click to edit Master text styles</a:t>
+            </a:r>
+          </a:p>
+          <a:p>
+            <a:pPr lvl="1"/>
+            <a:r>
+              <a:rPr lang="en-US" smtClean="0"/>
+              <a:t>Second level</a:t>
+            </a:r>
+          </a:p>
+          <a:p>
+            <a:pPr lvl="2"/>
+            <a:r>
+              <a:rPr lang="en-US" smtClean="0"/>
+              <a:t>Third level</a:t>
+            </a:r>
+          </a:p>
+          <a:p>
+            <a:pPr lvl="3"/>
+            <a:r>
+              <a:rPr lang="en-US" smtClean="0"/>
+              <a:t>Fourth level</a:t>
+            </a:r>
+          </a:p>
+          <a:p>
+            <a:pPr lvl="4"/>
+            <a:r>
+              <a:rPr lang="en-US" smtClean="0"/>
+              <a:t>Fifth level</a:t>
+            </a:r>
+            <a:endParaRPr lang="en-US"/>
+          </a:p>
+        </p:txBody>
+      </p:sp>
+      <p:sp>
+        <p:nvSpPr>
+          <p:cNvPr id="6" name="Footer Placeholder 5"/>
+          <p:cNvSpPr>
+            <a:spLocks noGrp="1"/>
+          </p:cNvSpPr>
+          <p:nvPr>
+            <p:ph type="ftr" sz="quarter" idx="4"/>
+          </p:nvPr>
+        </p:nvSpPr>
+        <p:spPr>
+          <a:xfrm>
+            <a:off x="0" y="8685213"/>
+            <a:ext cx="2971800" cy="457200"/>
+          </a:xfrm>
+          <a:prstGeom prst="rect">
+            <a:avLst/>
+          </a:prstGeom>
+        </p:spPr>
+        <p:txBody>
+          <a:bodyPr vert="horz" lIns="91440" tIns="45720" rIns="91440" bIns="45720" rtlCol="0" anchor="b"/>
+          <a:lstStyle>
+            <a:lvl1pPr algn="l">
+              <a:defRPr sz="1200"/>
+            </a:lvl1pPr>
+          </a:lstStyle>
+          <a:p>
+            <a:endParaRPr lang="en-US"/>
+          </a:p>
+        </p:txBody>
+      </p:sp>
+      <p:sp>
+        <p:nvSpPr>
+          <p:cNvPr id="7" name="Slide Number Placeholder 6"/>
+          <p:cNvSpPr>
+            <a:spLocks noGrp="1"/>
+          </p:cNvSpPr>
+          <p:nvPr>
+            <p:ph type="sldNum" sz="quarter" idx="5"/>
+          </p:nvPr>
+        </p:nvSpPr>
+        <p:spPr>
+          <a:xfrm>
+            <a:off x="3884613" y="8685213"/>
+            <a:ext cx="2971800" cy="457200"/>
+          </a:xfrm>
+          <a:prstGeom prst="rect">
+            <a:avLst/>
+          </a:prstGeom>
+        </p:spPr>
+        <p:txBody>
+          <a:bodyPr vert="horz" lIns="91440" tIns="45720" rIns="91440" bIns="45720" rtlCol="0" anchor="b"/>
+          <a:lstStyle>
+            <a:lvl1pPr algn="r">
+              <a:defRPr sz="1200"/>
+            </a:lvl1pPr>
+          </a:lstStyle>
+          <a:p>
+            <a:fld id="{D11BD687-6AE4-45EB-A100-2EC5C396ADA3}" type="slidenum">
+              <a:rPr lang="en-US" smtClean="0"/>
+              <a:t>‹#›</a:t>
+            </a:fld>
+            <a:endParaRPr lang="en-US"/>
+          </a:p>
+        </p:txBody>
+      </p:sp>
+    </p:spTree>
+  </p:cSld>
+  <p:clrMap bg1="lt1" tx1="dk1" bg2="lt2" tx2="dk2" accent1="accent1" accent2="accent2" accent3="accent3" accent4="accent4" accent5="accent5" accent6="accent6" hlink="hlink" folHlink="folHlink"/>
+  <p:notesStyle>
+    <a:lvl1pPr marL="0" algn="l" defTabSz="914400" rtl="0" eaLnBrk="1" latinLnBrk="0" hangingPunct="1">
+      <a:defRPr sz="1200" kern="1200">
+        <a:solidFill>
+          <a:schemeClr val="tx1"/>
+        </a:solidFill>
+        <a:latin typeface="+mn-lt"/>
+        <a:ea typeface="+mn-ea"/>
+        <a:cs typeface="+mn-cs"/>
+      </a:defRPr>
+    </a:lvl1pPr>
+    <a:lvl2pPr marL="457200" algn="l" defTabSz="914400" rtl="0" eaLnBrk="1" latinLnBrk="0" hangingPunct="1">
+      <a:defRPr sz="1200" kern="1200">
+        <a:solidFill>
+          <a:schemeClr val="tx1"/>
+        </a:solidFill>
+        <a:latin typeface="+mn-lt"/>
+        <a:ea typeface="+mn-ea"/>
+        <a:cs typeface="+mn-cs"/>
+      </a:defRPr>
+    </a:lvl2pPr>
+    <a:lvl3pPr marL="914400" algn="l" defTabSz="914400" rtl="0" eaLnBrk="1" latinLnBrk="0" hangingPunct="1">
+      <a:defRPr sz="1200" kern="1200">
+        <a:solidFill>
+          <a:schemeClr val="tx1"/>
+        </a:solidFill>
+        <a:latin typeface="+mn-lt"/>
+        <a:ea typeface="+mn-ea"/>
+        <a:cs typeface="+mn-cs"/>
+      </a:defRPr>
+    </a:lvl3pPr>
+    <a:lvl4pPr marL="1371600" algn="l" defTabSz="914400" rtl="0" eaLnBrk="1" latinLnBrk="0" hangingPunct="1">
+      <a:defRPr sz="1200" kern="1200">
+        <a:solidFill>
+          <a:schemeClr val="tx1"/>
+        </a:solidFill>
+        <a:latin typeface="+mn-lt"/>
+        <a:ea typeface="+mn-ea"/>
+        <a:cs typeface="+mn-cs"/>
+      </a:defRPr>
+    </a:lvl4pPr>
+    <a:lvl5pPr marL="1828800" algn="l" defTabSz="914400" rtl="0" eaLnBrk="1" latinLnBrk="0" hangingPunct="1">
+      <a:defRPr sz="1200" kern="1200">
+        <a:solidFill>
+          <a:schemeClr val="tx1"/>
+        </a:solidFill>
+        <a:latin typeface="+mn-lt"/>
+        <a:ea typeface="+mn-ea"/>
+        <a:cs typeface="+mn-cs"/>
+      </a:defRPr>
+    </a:lvl5pPr>
+    <a:lvl6pPr marL="2286000" algn="l" defTabSz="914400" rtl="0" eaLnBrk="1" latinLnBrk="0" hangingPunct="1">
+      <a:defRPr sz="1200" kern="1200">
+        <a:solidFill>
+          <a:schemeClr val="tx1"/>
+        </a:solidFill>
+        <a:latin typeface="+mn-lt"/>
+        <a:ea typeface="+mn-ea"/>
+        <a:cs typeface="+mn-cs"/>
+      </a:defRPr>
+    </a:lvl6pPr>
+    <a:lvl7pPr marL="2743200" algn="l" defTabSz="914400" rtl="0" eaLnBrk="1" latinLnBrk="0" hangingPunct="1">
+      <a:defRPr sz="1200" kern="1200">
+        <a:solidFill>
+          <a:schemeClr val="tx1"/>
+        </a:solidFill>
+        <a:latin typeface="+mn-lt"/>
+        <a:ea typeface="+mn-ea"/>
+        <a:cs typeface="+mn-cs"/>
+      </a:defRPr>
+    </a:lvl7pPr>
+    <a:lvl8pPr marL="3200400" algn="l" defTabSz="914400" rtl="0" eaLnBrk="1" latinLnBrk="0" hangingPunct="1">
+      <a:defRPr sz="1200" kern="1200">
+        <a:solidFill>
+          <a:schemeClr val="tx1"/>
+        </a:solidFill>
+        <a:latin typeface="+mn-lt"/>
+        <a:ea typeface="+mn-ea"/>
+        <a:cs typeface="+mn-cs"/>
+      </a:defRPr>
+    </a:lvl8pPr>
+    <a:lvl9pPr marL="3657600" algn="l" defTabSz="914400" rtl="0" eaLnBrk="1" latinLnBrk="0" hangingPunct="1">
+      <a:defRPr sz="1200" kern="1200">
+        <a:solidFill>
+          <a:schemeClr val="tx1"/>
+        </a:solidFill>
+        <a:latin typeface="+mn-lt"/>
+        <a:ea typeface="+mn-ea"/>
+        <a:cs typeface="+mn-cs"/>
+      </a:defRPr>
+    </a:lvl9pPr>
+  </p:notesStyle>
+</p:notesMaster>
+</file>
+
+<file path=ppt/notesSlides/notesSlide1.xml><?xml version="1.0" encoding="utf-8"?>
+<p:notes xmlns:a="http://schemas.openxmlformats.org/drawingml/2006/main" xmlns:r="http://schemas.openxmlformats.org/officeDocument/2006/relationships" xmlns:p="http://schemas.openxmlformats.org/presentationml/2006/main">
+  <p:cSld>
+    <p:spTree>
+      <p:nvGrpSpPr>
+        <p:cNvPr id="1" name=""/>
+        <p:cNvGrpSpPr/>
+        <p:nvPr/>
+      </p:nvGrpSpPr>
+      <p:grpSpPr>
+        <a:xfrm>
+          <a:off x="0" y="0"/>
+          <a:ext cx="0" cy="0"/>
+          <a:chOff x="0" y="0"/>
+          <a:chExt cx="0" cy="0"/>
+        </a:xfrm>
+      </p:grpSpPr>
+      <p:sp>
+        <p:nvSpPr>
+          <p:cNvPr id="2" name="Slide Image Placeholder 1"/>
+          <p:cNvSpPr>
+            <a:spLocks noGrp="1" noRot="1" noChangeAspect="1"/>
+          </p:cNvSpPr>
+          <p:nvPr>
+            <p:ph type="sldImg"/>
+          </p:nvPr>
+        </p:nvSpPr>
+        <p:spPr/>
+      </p:sp>
+      <p:sp>
+        <p:nvSpPr>
+          <p:cNvPr id="3" name="Notes Placeholder 2"/>
+          <p:cNvSpPr>
+            <a:spLocks noGrp="1"/>
+          </p:cNvSpPr>
+          <p:nvPr>
+            <p:ph type="body" idx="1"/>
+          </p:nvPr>
+        </p:nvSpPr>
+        <p:spPr/>
+        <p:txBody>
+          <a:bodyPr>
+            <a:normAutofit/>
+          </a:bodyPr>
+          <a:lstStyle/>
+          <a:p>
+            <a:endParaRPr lang="en-US" dirty="0"/>
+          </a:p>
+        </p:txBody>
+      </p:sp>
+      <p:sp>
+        <p:nvSpPr>
+          <p:cNvPr id="4" name="Slide Number Placeholder 3"/>
+          <p:cNvSpPr>
+            <a:spLocks noGrp="1"/>
+          </p:cNvSpPr>
+          <p:nvPr>
+            <p:ph type="sldNum" sz="quarter" idx="10"/>
+          </p:nvPr>
+        </p:nvSpPr>
+        <p:spPr/>
+        <p:txBody>
+          <a:bodyPr/>
+          <a:lstStyle/>
+          <a:p>
+            <a:fld id="{D11BD687-6AE4-45EB-A100-2EC5C396ADA3}" type="slidenum">
+              <a:rPr lang="en-US" smtClean="0"/>
+              <a:t>6</a:t>
+            </a:fld>
+            <a:endParaRPr lang="en-US"/>
+          </a:p>
+        </p:txBody>
+      </p:sp>
+    </p:spTree>
+  </p:cSld>
+  <p:clrMapOvr>
+    <a:masterClrMapping/>
+  </p:clrMapOvr>
+</p:notes>
 </file>
 
 <file path=ppt/slideLayouts/slideLayout1.xml><?xml version="1.0" encoding="utf-8"?>
@@ -3164,8 +3595,8 @@
         </p:nvSpPr>
         <p:spPr>
           <a:xfrm>
-            <a:off x="3505200" y="1905000"/>
-            <a:ext cx="1847429" cy="461665"/>
+            <a:off x="3124200" y="1905000"/>
+            <a:ext cx="2895600" cy="461665"/>
           </a:xfrm>
           <a:prstGeom prst="rect">
             <a:avLst/>
@@ -3173,11 +3604,12 @@
           <a:noFill/>
         </p:spPr>
         <p:txBody>
-          <a:bodyPr wrap="none" rtlCol="0">
+          <a:bodyPr wrap="square" rtlCol="0">
             <a:spAutoFit/>
           </a:bodyPr>
           <a:lstStyle/>
           <a:p>
+            <a:pPr algn="ctr"/>
             <a:r>
               <a:rPr lang="en-US" sz="2400" dirty="0" smtClean="0">
                 <a:solidFill>
@@ -3209,7 +3641,7 @@
         <p:spPr>
           <a:xfrm>
             <a:off x="1447800" y="2438400"/>
-            <a:ext cx="6248400" cy="1697068"/>
+            <a:ext cx="6248400" cy="1754326"/>
           </a:xfrm>
           <a:prstGeom prst="rect">
             <a:avLst/>
@@ -3285,14 +3717,18 @@
             </a:r>
             <a:r>
               <a:rPr lang="en-US" sz="2400" b="1" dirty="0" smtClean="0"/>
-              <a:t> K </a:t>
-            </a:r>
-            <a:r>
-              <a:rPr lang="en-US" sz="2400" b="1" dirty="0"/>
               <a:t> </a:t>
             </a:r>
             <a:r>
-              <a:rPr lang="en-US" sz="2400" b="1" dirty="0" smtClean="0">
+              <a:rPr lang="en-US" sz="2400" b="1" smtClean="0"/>
+              <a:t>K </a:t>
+            </a:r>
+            <a:r>
+              <a:rPr lang="en-US" sz="2400" b="1"/>
+              <a:t> </a:t>
+            </a:r>
+            <a:r>
+              <a:rPr lang="en-US" sz="2400" b="1" smtClean="0">
                 <a:solidFill>
                   <a:schemeClr val="tx1">
                     <a:lumMod val="50000"/>
@@ -3300,7 +3736,7 @@
                   </a:schemeClr>
                 </a:solidFill>
               </a:rPr>
-              <a:t>812418104010</a:t>
+              <a:t>812418104021</a:t>
             </a:r>
             <a:endParaRPr lang="en-US" sz="2400" dirty="0">
               <a:solidFill>
@@ -3366,7 +3802,7 @@
         </p:nvSpPr>
         <p:spPr>
           <a:xfrm>
-            <a:off x="3505200" y="5105400"/>
+            <a:off x="3352800" y="5410200"/>
             <a:ext cx="1885196" cy="523220"/>
           </a:xfrm>
           <a:prstGeom prst="rect">
@@ -3931,16 +4367,35 @@
             <p:ph type="title"/>
           </p:nvPr>
         </p:nvSpPr>
-        <p:spPr/>
+        <p:spPr>
+          <a:xfrm>
+            <a:off x="533400" y="304800"/>
+            <a:ext cx="8229600" cy="1143000"/>
+          </a:xfrm>
+        </p:spPr>
         <p:txBody>
           <a:bodyPr/>
           <a:lstStyle/>
           <a:p>
             <a:r>
-              <a:rPr lang="en-US" dirty="0" smtClean="0"/>
+              <a:rPr lang="en-US" i="1" dirty="0" smtClean="0">
+                <a:solidFill>
+                  <a:schemeClr val="tx1">
+                    <a:lumMod val="65000"/>
+                    <a:lumOff val="35000"/>
+                  </a:schemeClr>
+                </a:solidFill>
+              </a:rPr>
               <a:t>LITERATURE REVIEW</a:t>
             </a:r>
-            <a:endParaRPr lang="en-US" dirty="0"/>
+            <a:endParaRPr lang="en-US" i="1" dirty="0">
+              <a:solidFill>
+                <a:schemeClr val="tx1">
+                  <a:lumMod val="65000"/>
+                  <a:lumOff val="35000"/>
+                </a:schemeClr>
+              </a:solidFill>
+            </a:endParaRPr>
           </a:p>
         </p:txBody>
       </p:sp>
@@ -3955,8 +4410,8 @@
           </p:nvPr>
         </p:nvGraphicFramePr>
         <p:xfrm>
-          <a:off x="457200" y="1600200"/>
-          <a:ext cx="8229599" cy="4876801"/>
+          <a:off x="457200" y="1600201"/>
+          <a:ext cx="8229599" cy="3962398"/>
         </p:xfrm>
         <a:graphic>
           <a:graphicData uri="http://schemas.openxmlformats.org/drawingml/2006/table">
@@ -3967,13 +4422,13 @@
               <a:tblGrid>
                 <a:gridCol w="762000"/>
                 <a:gridCol w="1371600"/>
-                <a:gridCol w="1219200"/>
-                <a:gridCol w="1295400"/>
+                <a:gridCol w="1143000"/>
+                <a:gridCol w="1371600"/>
                 <a:gridCol w="1230085"/>
                 <a:gridCol w="1175657"/>
                 <a:gridCol w="1175657"/>
               </a:tblGrid>
-              <a:tr h="1046896">
+              <a:tr h="850603">
                 <a:tc>
                   <a:txBody>
                     <a:bodyPr/>
@@ -4077,7 +4532,7 @@
                   <a:tcPr/>
                 </a:tc>
               </a:tr>
-              <a:tr h="765981">
+              <a:tr h="622359">
                 <a:tc>
                   <a:txBody>
                     <a:bodyPr/>
@@ -4153,7 +4608,7 @@
                   <a:tcPr/>
                 </a:tc>
               </a:tr>
-              <a:tr h="765981">
+              <a:tr h="622359">
                 <a:tc>
                   <a:txBody>
                     <a:bodyPr/>
@@ -4229,7 +4684,7 @@
                   <a:tcPr/>
                 </a:tc>
               </a:tr>
-              <a:tr h="765981">
+              <a:tr h="622359">
                 <a:tc>
                   <a:txBody>
                     <a:bodyPr/>
@@ -4305,7 +4760,7 @@
                   <a:tcPr/>
                 </a:tc>
               </a:tr>
-              <a:tr h="765981">
+              <a:tr h="622359">
                 <a:tc>
                   <a:txBody>
                     <a:bodyPr/>
@@ -4345,7 +4800,7 @@
                     <a:bodyPr/>
                     <a:lstStyle/>
                     <a:p>
-                      <a:endParaRPr lang="en-US"/>
+                      <a:endParaRPr lang="en-US" dirty="0"/>
                     </a:p>
                   </a:txBody>
                   <a:tcPr/>
@@ -4381,7 +4836,7 @@
                   <a:tcPr/>
                 </a:tc>
               </a:tr>
-              <a:tr h="765981">
+              <a:tr h="622359">
                 <a:tc>
                   <a:txBody>
                     <a:bodyPr/>
@@ -4431,7 +4886,7 @@
                     <a:bodyPr/>
                     <a:lstStyle/>
                     <a:p>
-                      <a:endParaRPr lang="en-US"/>
+                      <a:endParaRPr lang="en-US" dirty="0"/>
                     </a:p>
                   </a:txBody>
                   <a:tcPr/>
@@ -4750,4 +5205,287 @@
   <a:objectDefaults/>
   <a:extraClrSchemeLst/>
 </a:theme>
+</file>
+
+<file path=ppt/theme/theme2.xml><?xml version="1.0" encoding="utf-8"?>
+<a:theme xmlns:a="http://schemas.openxmlformats.org/drawingml/2006/main" name="Office Theme">
+  <a:themeElements>
+    <a:clrScheme name="Office">
+      <a:dk1>
+        <a:sysClr val="windowText" lastClr="000000"/>
+      </a:dk1>
+      <a:lt1>
+        <a:sysClr val="window" lastClr="FFFFFF"/>
+      </a:lt1>
+      <a:dk2>
+        <a:srgbClr val="1F497D"/>
+      </a:dk2>
+      <a:lt2>
+        <a:srgbClr val="EEECE1"/>
+      </a:lt2>
+      <a:accent1>
+        <a:srgbClr val="4F81BD"/>
+      </a:accent1>
+      <a:accent2>
+        <a:srgbClr val="C0504D"/>
+      </a:accent2>
+      <a:accent3>
+        <a:srgbClr val="9BBB59"/>
+      </a:accent3>
+      <a:accent4>
+        <a:srgbClr val="8064A2"/>
+      </a:accent4>
+      <a:accent5>
+        <a:srgbClr val="4BACC6"/>
+      </a:accent5>
+      <a:accent6>
+        <a:srgbClr val="F79646"/>
+      </a:accent6>
+      <a:hlink>
+        <a:srgbClr val="0000FF"/>
+      </a:hlink>
+      <a:folHlink>
+        <a:srgbClr val="800080"/>
+      </a:folHlink>
+    </a:clrScheme>
+    <a:fontScheme name="Office">
+      <a:majorFont>
+        <a:latin typeface="Calibri"/>
+        <a:ea typeface=""/>
+        <a:cs typeface=""/>
+        <a:font script="Jpan" typeface="ＭＳ Ｐゴシック"/>
+        <a:font script="Hang" typeface="맑은 고딕"/>
+        <a:font script="Hans" typeface="宋体"/>
+        <a:font script="Hant" typeface="新細明體"/>
+        <a:font script="Arab" typeface="Times New Roman"/>
+        <a:font script="Hebr" typeface="Times New Roman"/>
+        <a:font script="Thai" typeface="Angsana New"/>
+        <a:font script="Ethi" typeface="Nyala"/>
+        <a:font script="Beng" typeface="Vrinda"/>
+        <a:font script="Gujr" typeface="Shruti"/>
+        <a:font script="Khmr" typeface="MoolBoran"/>
+        <a:font script="Knda" typeface="Tunga"/>
+        <a:font script="Guru" typeface="Raavi"/>
+        <a:font script="Cans" typeface="Euphemia"/>
+        <a:font script="Cher" typeface="Plantagenet Cherokee"/>
+        <a:font script="Yiii" typeface="Microsoft Yi Baiti"/>
+        <a:font script="Tibt" typeface="Microsoft Himalaya"/>
+        <a:font script="Thaa" typeface="MV Boli"/>
+        <a:font script="Deva" typeface="Mangal"/>
+        <a:font script="Telu" typeface="Gautami"/>
+        <a:font script="Taml" typeface="Latha"/>
+        <a:font script="Syrc" typeface="Estrangelo Edessa"/>
+        <a:font script="Orya" typeface="Kalinga"/>
+        <a:font script="Mlym" typeface="Kartika"/>
+        <a:font script="Laoo" typeface="DokChampa"/>
+        <a:font script="Sinh" typeface="Iskoola Pota"/>
+        <a:font script="Mong" typeface="Mongolian Baiti"/>
+        <a:font script="Viet" typeface="Times New Roman"/>
+        <a:font script="Uigh" typeface="Microsoft Uighur"/>
+      </a:majorFont>
+      <a:minorFont>
+        <a:latin typeface="Calibri"/>
+        <a:ea typeface=""/>
+        <a:cs typeface=""/>
+        <a:font script="Jpan" typeface="ＭＳ Ｐゴシック"/>
+        <a:font script="Hang" typeface="맑은 고딕"/>
+        <a:font script="Hans" typeface="宋体"/>
+        <a:font script="Hant" typeface="新細明體"/>
+        <a:font script="Arab" typeface="Arial"/>
+        <a:font script="Hebr" typeface="Arial"/>
+        <a:font script="Thai" typeface="Cordia New"/>
+        <a:font script="Ethi" typeface="Nyala"/>
+        <a:font script="Beng" typeface="Vrinda"/>
+        <a:font script="Gujr" typeface="Shruti"/>
+        <a:font script="Khmr" typeface="DaunPenh"/>
+        <a:font script="Knda" typeface="Tunga"/>
+        <a:font script="Guru" typeface="Raavi"/>
+        <a:font script="Cans" typeface="Euphemia"/>
+        <a:font script="Cher" typeface="Plantagenet Cherokee"/>
+        <a:font script="Yiii" typeface="Microsoft Yi Baiti"/>
+        <a:font script="Tibt" typeface="Microsoft Himalaya"/>
+        <a:font script="Thaa" typeface="MV Boli"/>
+        <a:font script="Deva" typeface="Mangal"/>
+        <a:font script="Telu" typeface="Gautami"/>
+        <a:font script="Taml" typeface="Latha"/>
+        <a:font script="Syrc" typeface="Estrangelo Edessa"/>
+        <a:font script="Orya" typeface="Kalinga"/>
+        <a:font script="Mlym" typeface="Kartika"/>
+        <a:font script="Laoo" typeface="DokChampa"/>
+        <a:font script="Sinh" typeface="Iskoola Pota"/>
+        <a:font script="Mong" typeface="Mongolian Baiti"/>
+        <a:font script="Viet" typeface="Arial"/>
+        <a:font script="Uigh" typeface="Microsoft Uighur"/>
+      </a:minorFont>
+    </a:fontScheme>
+    <a:fmtScheme name="Office">
+      <a:fillStyleLst>
+        <a:solidFill>
+          <a:schemeClr val="phClr"/>
+        </a:solidFill>
+        <a:gradFill rotWithShape="1">
+          <a:gsLst>
+            <a:gs pos="0">
+              <a:schemeClr val="phClr">
+                <a:tint val="50000"/>
+                <a:satMod val="300000"/>
+              </a:schemeClr>
+            </a:gs>
+            <a:gs pos="35000">
+              <a:schemeClr val="phClr">
+                <a:tint val="37000"/>
+                <a:satMod val="300000"/>
+              </a:schemeClr>
+            </a:gs>
+            <a:gs pos="100000">
+              <a:schemeClr val="phClr">
+                <a:tint val="15000"/>
+                <a:satMod val="350000"/>
+              </a:schemeClr>
+            </a:gs>
+          </a:gsLst>
+          <a:lin ang="16200000" scaled="1"/>
+        </a:gradFill>
+        <a:gradFill rotWithShape="1">
+          <a:gsLst>
+            <a:gs pos="0">
+              <a:schemeClr val="phClr">
+                <a:shade val="51000"/>
+                <a:satMod val="130000"/>
+              </a:schemeClr>
+            </a:gs>
+            <a:gs pos="80000">
+              <a:schemeClr val="phClr">
+                <a:shade val="93000"/>
+                <a:satMod val="130000"/>
+              </a:schemeClr>
+            </a:gs>
+            <a:gs pos="100000">
+              <a:schemeClr val="phClr">
+                <a:shade val="94000"/>
+                <a:satMod val="135000"/>
+              </a:schemeClr>
+            </a:gs>
+          </a:gsLst>
+          <a:lin ang="16200000" scaled="0"/>
+        </a:gradFill>
+      </a:fillStyleLst>
+      <a:lnStyleLst>
+        <a:ln w="9525" cap="flat" cmpd="sng" algn="ctr">
+          <a:solidFill>
+            <a:schemeClr val="phClr">
+              <a:shade val="95000"/>
+              <a:satMod val="105000"/>
+            </a:schemeClr>
+          </a:solidFill>
+          <a:prstDash val="solid"/>
+        </a:ln>
+        <a:ln w="25400" cap="flat" cmpd="sng" algn="ctr">
+          <a:solidFill>
+            <a:schemeClr val="phClr"/>
+          </a:solidFill>
+          <a:prstDash val="solid"/>
+        </a:ln>
+        <a:ln w="38100" cap="flat" cmpd="sng" algn="ctr">
+          <a:solidFill>
+            <a:schemeClr val="phClr"/>
+          </a:solidFill>
+          <a:prstDash val="solid"/>
+        </a:ln>
+      </a:lnStyleLst>
+      <a:effectStyleLst>
+        <a:effectStyle>
+          <a:effectLst>
+            <a:outerShdw blurRad="40000" dist="20000" dir="5400000" rotWithShape="0">
+              <a:srgbClr val="000000">
+                <a:alpha val="38000"/>
+              </a:srgbClr>
+            </a:outerShdw>
+          </a:effectLst>
+        </a:effectStyle>
+        <a:effectStyle>
+          <a:effectLst>
+            <a:outerShdw blurRad="40000" dist="23000" dir="5400000" rotWithShape="0">
+              <a:srgbClr val="000000">
+                <a:alpha val="35000"/>
+              </a:srgbClr>
+            </a:outerShdw>
+          </a:effectLst>
+        </a:effectStyle>
+        <a:effectStyle>
+          <a:effectLst>
+            <a:outerShdw blurRad="40000" dist="23000" dir="5400000" rotWithShape="0">
+              <a:srgbClr val="000000">
+                <a:alpha val="35000"/>
+              </a:srgbClr>
+            </a:outerShdw>
+          </a:effectLst>
+          <a:scene3d>
+            <a:camera prst="orthographicFront">
+              <a:rot lat="0" lon="0" rev="0"/>
+            </a:camera>
+            <a:lightRig rig="threePt" dir="t">
+              <a:rot lat="0" lon="0" rev="1200000"/>
+            </a:lightRig>
+          </a:scene3d>
+          <a:sp3d>
+            <a:bevelT w="63500" h="25400"/>
+          </a:sp3d>
+        </a:effectStyle>
+      </a:effectStyleLst>
+      <a:bgFillStyleLst>
+        <a:solidFill>
+          <a:schemeClr val="phClr"/>
+        </a:solidFill>
+        <a:gradFill rotWithShape="1">
+          <a:gsLst>
+            <a:gs pos="0">
+              <a:schemeClr val="phClr">
+                <a:tint val="40000"/>
+                <a:satMod val="350000"/>
+              </a:schemeClr>
+            </a:gs>
+            <a:gs pos="40000">
+              <a:schemeClr val="phClr">
+                <a:tint val="45000"/>
+                <a:shade val="99000"/>
+                <a:satMod val="350000"/>
+              </a:schemeClr>
+            </a:gs>
+            <a:gs pos="100000">
+              <a:schemeClr val="phClr">
+                <a:shade val="20000"/>
+                <a:satMod val="255000"/>
+              </a:schemeClr>
+            </a:gs>
+          </a:gsLst>
+          <a:path path="circle">
+            <a:fillToRect l="50000" t="-80000" r="50000" b="180000"/>
+          </a:path>
+        </a:gradFill>
+        <a:gradFill rotWithShape="1">
+          <a:gsLst>
+            <a:gs pos="0">
+              <a:schemeClr val="phClr">
+                <a:tint val="80000"/>
+                <a:satMod val="300000"/>
+              </a:schemeClr>
+            </a:gs>
+            <a:gs pos="100000">
+              <a:schemeClr val="phClr">
+                <a:shade val="30000"/>
+                <a:satMod val="200000"/>
+              </a:schemeClr>
+            </a:gs>
+          </a:gsLst>
+          <a:path path="circle">
+            <a:fillToRect l="50000" t="50000" r="50000" b="50000"/>
+          </a:path>
+        </a:gradFill>
+      </a:bgFillStyleLst>
+    </a:fmtScheme>
+  </a:themeElements>
+  <a:objectDefaults/>
+  <a:extraClrSchemeLst/>
+</a:theme>
 </file>
--- a/ARP SNIFFER IN OPEN WIFI.pptx
+++ b/ARP SNIFFER IN OPEN WIFI.pptx
@@ -197,7 +197,8 @@
           <a:p>
             <a:fld id="{9CC613BD-0CE1-48CF-8C57-83E1E1368783}" type="datetimeFigureOut">
               <a:rPr lang="en-US" smtClean="0"/>
-              <a:t>3/28/2022</a:t>
+              <a:pPr/>
+              <a:t>3/29/22</a:t>
             </a:fld>
             <a:endParaRPr lang="en-US"/>
           </a:p>
@@ -358,6 +359,7 @@
           <a:p>
             <a:fld id="{D11BD687-6AE4-45EB-A100-2EC5C396ADA3}" type="slidenum">
               <a:rPr lang="en-US" smtClean="0"/>
+              <a:pPr/>
               <a:t>‹#›</a:t>
             </a:fld>
             <a:endParaRPr lang="en-US"/>
@@ -529,6 +531,7 @@
           <a:p>
             <a:fld id="{D11BD687-6AE4-45EB-A100-2EC5C396ADA3}" type="slidenum">
               <a:rPr lang="en-US" smtClean="0"/>
+              <a:pPr/>
               <a:t>6</a:t>
             </a:fld>
             <a:endParaRPr lang="en-US"/>
@@ -725,7 +728,7 @@
             <a:fld id="{066B5A5E-6C17-40CE-8F28-8B57EED25B4E}" type="datetimeFigureOut">
               <a:rPr lang="en-US" smtClean="0"/>
               <a:pPr/>
-              <a:t>3/28/2022</a:t>
+              <a:t>3/29/22</a:t>
             </a:fld>
             <a:endParaRPr lang="en-US"/>
           </a:p>
@@ -892,7 +895,7 @@
             <a:fld id="{066B5A5E-6C17-40CE-8F28-8B57EED25B4E}" type="datetimeFigureOut">
               <a:rPr lang="en-US" smtClean="0"/>
               <a:pPr/>
-              <a:t>3/28/2022</a:t>
+              <a:t>3/29/22</a:t>
             </a:fld>
             <a:endParaRPr lang="en-US"/>
           </a:p>
@@ -1069,7 +1072,7 @@
             <a:fld id="{066B5A5E-6C17-40CE-8F28-8B57EED25B4E}" type="datetimeFigureOut">
               <a:rPr lang="en-US" smtClean="0"/>
               <a:pPr/>
-              <a:t>3/28/2022</a:t>
+              <a:t>3/29/22</a:t>
             </a:fld>
             <a:endParaRPr lang="en-US"/>
           </a:p>
@@ -1236,7 +1239,7 @@
             <a:fld id="{066B5A5E-6C17-40CE-8F28-8B57EED25B4E}" type="datetimeFigureOut">
               <a:rPr lang="en-US" smtClean="0"/>
               <a:pPr/>
-              <a:t>3/28/2022</a:t>
+              <a:t>3/29/22</a:t>
             </a:fld>
             <a:endParaRPr lang="en-US"/>
           </a:p>
@@ -1479,7 +1482,7 @@
             <a:fld id="{066B5A5E-6C17-40CE-8F28-8B57EED25B4E}" type="datetimeFigureOut">
               <a:rPr lang="en-US" smtClean="0"/>
               <a:pPr/>
-              <a:t>3/28/2022</a:t>
+              <a:t>3/29/22</a:t>
             </a:fld>
             <a:endParaRPr lang="en-US"/>
           </a:p>
@@ -1764,7 +1767,7 @@
             <a:fld id="{066B5A5E-6C17-40CE-8F28-8B57EED25B4E}" type="datetimeFigureOut">
               <a:rPr lang="en-US" smtClean="0"/>
               <a:pPr/>
-              <a:t>3/28/2022</a:t>
+              <a:t>3/29/22</a:t>
             </a:fld>
             <a:endParaRPr lang="en-US"/>
           </a:p>
@@ -2183,7 +2186,7 @@
             <a:fld id="{066B5A5E-6C17-40CE-8F28-8B57EED25B4E}" type="datetimeFigureOut">
               <a:rPr lang="en-US" smtClean="0"/>
               <a:pPr/>
-              <a:t>3/28/2022</a:t>
+              <a:t>3/29/22</a:t>
             </a:fld>
             <a:endParaRPr lang="en-US"/>
           </a:p>
@@ -2298,7 +2301,7 @@
             <a:fld id="{066B5A5E-6C17-40CE-8F28-8B57EED25B4E}" type="datetimeFigureOut">
               <a:rPr lang="en-US" smtClean="0"/>
               <a:pPr/>
-              <a:t>3/28/2022</a:t>
+              <a:t>3/29/22</a:t>
             </a:fld>
             <a:endParaRPr lang="en-US"/>
           </a:p>
@@ -2390,7 +2393,7 @@
             <a:fld id="{066B5A5E-6C17-40CE-8F28-8B57EED25B4E}" type="datetimeFigureOut">
               <a:rPr lang="en-US" smtClean="0"/>
               <a:pPr/>
-              <a:t>3/28/2022</a:t>
+              <a:t>3/29/22</a:t>
             </a:fld>
             <a:endParaRPr lang="en-US"/>
           </a:p>
@@ -2664,7 +2667,7 @@
             <a:fld id="{066B5A5E-6C17-40CE-8F28-8B57EED25B4E}" type="datetimeFigureOut">
               <a:rPr lang="en-US" smtClean="0"/>
               <a:pPr/>
-              <a:t>3/28/2022</a:t>
+              <a:t>3/29/22</a:t>
             </a:fld>
             <a:endParaRPr lang="en-US"/>
           </a:p>
@@ -2914,7 +2917,7 @@
             <a:fld id="{066B5A5E-6C17-40CE-8F28-8B57EED25B4E}" type="datetimeFigureOut">
               <a:rPr lang="en-US" smtClean="0"/>
               <a:pPr/>
-              <a:t>3/28/2022</a:t>
+              <a:t>3/29/22</a:t>
             </a:fld>
             <a:endParaRPr lang="en-US"/>
           </a:p>
@@ -3124,7 +3127,7 @@
             <a:fld id="{066B5A5E-6C17-40CE-8F28-8B57EED25B4E}" type="datetimeFigureOut">
               <a:rPr lang="en-US" smtClean="0"/>
               <a:pPr/>
-              <a:t>3/28/2022</a:t>
+              <a:t>3/29/22</a:t>
             </a:fld>
             <a:endParaRPr lang="en-US"/>
           </a:p>
@@ -3871,7 +3874,7 @@
         </p:nvSpPr>
         <p:spPr>
           <a:xfrm>
-            <a:off x="533400" y="1143000"/>
+            <a:off x="533400" y="2057400"/>
             <a:ext cx="8001000" cy="584775"/>
           </a:xfrm>
           <a:prstGeom prst="rect">
@@ -3916,7 +3919,7 @@
         </p:nvSpPr>
         <p:spPr>
           <a:xfrm>
-            <a:off x="228600" y="2057400"/>
+            <a:off x="152400" y="2895600"/>
             <a:ext cx="8763000" cy="1384995"/>
           </a:xfrm>
           <a:prstGeom prst="rect">
@@ -3933,8 +3936,27 @@
             <a:pPr algn="ctr"/>
             <a:r>
               <a:rPr lang="en-US" sz="2800" dirty="0" smtClean="0"/>
-              <a:t>To Prevent the ARP Sniffer from the router. If it is sent continuously we can conclude that our network has been affected by ARP poisoning</a:t>
-            </a:r>
+              <a:t>To stop the </a:t>
+            </a:r>
+            <a:r>
+              <a:rPr lang="en-US" sz="2800" smtClean="0"/>
+              <a:t>MITM of ARP </a:t>
+            </a:r>
+            <a:r>
+              <a:rPr lang="en-US" sz="2800" dirty="0" smtClean="0"/>
+              <a:t>poisoning in open </a:t>
+            </a:r>
+            <a:r>
+              <a:rPr lang="en-US" sz="2800" dirty="0" err="1" smtClean="0"/>
+              <a:t>wifi</a:t>
+            </a:r>
+            <a:r>
+              <a:rPr lang="en-US" sz="2800" dirty="0" smtClean="0"/>
+              <a:t> and to establishing secure local infra structure.</a:t>
+            </a:r>
+          </a:p>
+          <a:p>
+            <a:pPr algn="ctr"/>
             <a:endParaRPr lang="en-US" sz="2800" dirty="0"/>
           </a:p>
         </p:txBody>
@@ -4001,8 +4023,8 @@
               <a:rPr lang="en-US" sz="3200" b="1" i="1" dirty="0" smtClean="0">
                 <a:solidFill>
                   <a:schemeClr val="tx1">
-                    <a:lumMod val="65000"/>
-                    <a:lumOff val="35000"/>
+                    <a:lumMod val="50000"/>
+                    <a:lumOff val="50000"/>
                   </a:schemeClr>
                 </a:solidFill>
               </a:rPr>
@@ -4011,8 +4033,8 @@
             <a:endParaRPr lang="en-US" sz="3200" b="1" i="1" dirty="0">
               <a:solidFill>
                 <a:schemeClr val="tx1">
-                  <a:lumMod val="65000"/>
-                  <a:lumOff val="35000"/>
+                  <a:lumMod val="50000"/>
+                  <a:lumOff val="50000"/>
                 </a:schemeClr>
               </a:solidFill>
             </a:endParaRPr>
@@ -4096,7 +4118,7 @@
               <a:t> Using Bash scripting in </a:t>
             </a:r>
             <a:r>
-              <a:rPr lang="en-US" sz="2800" dirty="0" err="1" smtClean="0"/>
+              <a:rPr lang="en-US" sz="2800" b="1" dirty="0" err="1" smtClean="0"/>
               <a:t>debian</a:t>
             </a:r>
             <a:r>
@@ -4224,26 +4246,57 @@
           <a:p>
             <a:r>
               <a:rPr lang="en-US" sz="2800" dirty="0" smtClean="0"/>
-              <a:t>In Existing system, It prevent the attack only once.</a:t>
-            </a:r>
-          </a:p>
-          <a:p>
+              <a:t>In Existing system, It prevent the attack only </a:t>
+            </a:r>
             <a:r>
               <a:rPr lang="en-US" sz="2800" dirty="0" smtClean="0"/>
-              <a:t>If attacker do again and again it can’t able to detect or prevent ARP poisoning attack.</a:t>
-            </a:r>
+              <a:t>once at a time.</a:t>
+            </a:r>
+            <a:endParaRPr lang="en-US" sz="2800" dirty="0" smtClean="0"/>
           </a:p>
           <a:p>
             <a:r>
               <a:rPr lang="en-US" sz="2800" dirty="0" smtClean="0"/>
-              <a:t>It cant work 5GHz network</a:t>
-            </a:r>
-          </a:p>
-          <a:p>
+              <a:t>If attacker do </a:t>
+            </a:r>
             <a:r>
               <a:rPr lang="en-US" sz="2800" dirty="0" smtClean="0"/>
-              <a:t>It just create a tool and cant able to update with new tech</a:t>
-            </a:r>
+              <a:t>again, </a:t>
+            </a:r>
+            <a:r>
+              <a:rPr lang="en-US" sz="2800" dirty="0" smtClean="0"/>
+              <a:t>it can’t able to detect or prevent ARP poisoning attack.</a:t>
+            </a:r>
+          </a:p>
+          <a:p>
+            <a:r>
+              <a:rPr lang="en-US" sz="2800" dirty="0" smtClean="0"/>
+              <a:t>It cant work 5GHz </a:t>
+            </a:r>
+            <a:r>
+              <a:rPr lang="en-US" sz="2800" dirty="0" smtClean="0"/>
+              <a:t>network.</a:t>
+            </a:r>
+            <a:endParaRPr lang="en-US" sz="2800" dirty="0" smtClean="0"/>
+          </a:p>
+          <a:p>
+            <a:r>
+              <a:rPr lang="en-US" sz="2800" dirty="0" smtClean="0"/>
+              <a:t>Using not updated tool </a:t>
+            </a:r>
+            <a:r>
+              <a:rPr lang="en-US" sz="2800" dirty="0" smtClean="0"/>
+              <a:t>and </a:t>
+            </a:r>
+            <a:r>
+              <a:rPr lang="en-US" sz="2800" dirty="0" smtClean="0"/>
+              <a:t>cant able to </a:t>
+            </a:r>
+            <a:r>
+              <a:rPr lang="en-US" sz="2800" dirty="0" smtClean="0"/>
+              <a:t>update that tools.</a:t>
+            </a:r>
+            <a:endParaRPr lang="en-US" sz="2800" dirty="0" smtClean="0"/>
           </a:p>
           <a:p>
             <a:endParaRPr lang="en-US" dirty="0" smtClean="0"/>
@@ -4294,32 +4347,79 @@
           <a:lstStyle/>
           <a:p>
             <a:r>
+              <a:rPr lang="en-US" b="1" i="1" dirty="0" smtClean="0">
+                <a:solidFill>
+                  <a:schemeClr val="tx1">
+                    <a:lumMod val="50000"/>
+                    <a:lumOff val="50000"/>
+                  </a:schemeClr>
+                </a:solidFill>
+              </a:rPr>
+              <a:t>PROPOSED SYSTEM</a:t>
+            </a:r>
+            <a:endParaRPr lang="en-US" b="1" i="1" dirty="0">
+              <a:solidFill>
+                <a:schemeClr val="tx1">
+                  <a:lumMod val="50000"/>
+                  <a:lumOff val="50000"/>
+                </a:schemeClr>
+              </a:solidFill>
+            </a:endParaRPr>
+          </a:p>
+        </p:txBody>
+      </p:sp>
+      <p:sp>
+        <p:nvSpPr>
+          <p:cNvPr id="3" name="Content Placeholder 2"/>
+          <p:cNvSpPr>
+            <a:spLocks noGrp="1"/>
+          </p:cNvSpPr>
+          <p:nvPr>
+            <p:ph idx="1"/>
+          </p:nvPr>
+        </p:nvSpPr>
+        <p:spPr/>
+        <p:txBody>
+          <a:bodyPr/>
+          <a:lstStyle/>
+          <a:p>
+            <a:r>
               <a:rPr lang="en-US" dirty="0" smtClean="0"/>
-              <a:t>PROPOSED SYSTEM</a:t>
-            </a:r>
-            <a:endParaRPr lang="en-US" dirty="0"/>
-          </a:p>
-        </p:txBody>
-      </p:sp>
-      <p:sp>
-        <p:nvSpPr>
-          <p:cNvPr id="3" name="Content Placeholder 2"/>
-          <p:cNvSpPr>
-            <a:spLocks noGrp="1"/>
-          </p:cNvSpPr>
-          <p:nvPr>
-            <p:ph idx="1"/>
-          </p:nvPr>
-        </p:nvSpPr>
-        <p:spPr/>
-        <p:txBody>
-          <a:bodyPr/>
-          <a:lstStyle/>
-          <a:p>
+              <a:t>To implement the </a:t>
+            </a:r>
+            <a:r>
+              <a:rPr lang="en-US" b="1" dirty="0" smtClean="0"/>
+              <a:t>bash</a:t>
+            </a:r>
             <a:r>
               <a:rPr lang="en-US" dirty="0" smtClean="0"/>
-              <a:t>To implement the bash scripting algorithm.</a:t>
-            </a:r>
+              <a:t> scripting </a:t>
+            </a:r>
+            <a:r>
+              <a:rPr lang="en-US" dirty="0" smtClean="0"/>
+              <a:t>algorithm to stop ARP poisoning.</a:t>
+            </a:r>
+          </a:p>
+          <a:p>
+            <a:r>
+              <a:rPr lang="en-US" dirty="0" smtClean="0"/>
+              <a:t>To prevent the ARP Request from the router in </a:t>
+            </a:r>
+            <a:r>
+              <a:rPr lang="en-US" b="1" dirty="0" smtClean="0"/>
+              <a:t>very less </a:t>
+            </a:r>
+            <a:r>
+              <a:rPr lang="en-US" dirty="0" smtClean="0"/>
+              <a:t>interval.</a:t>
+            </a:r>
+          </a:p>
+          <a:p>
+            <a:r>
+              <a:rPr lang="en-US" dirty="0" smtClean="0"/>
+              <a:t>If it is sent continuously it has conclude that our network has been affected by ARP poisoning.</a:t>
+            </a:r>
+            <a:endParaRPr lang="en-US" dirty="0" smtClean="0"/>
           </a:p>
           <a:p>
             <a:endParaRPr lang="en-US" dirty="0" smtClean="0"/>
@@ -4410,8 +4510,8 @@
           </p:nvPr>
         </p:nvGraphicFramePr>
         <p:xfrm>
-          <a:off x="457200" y="1600201"/>
-          <a:ext cx="8229599" cy="3962398"/>
+          <a:off x="304800" y="1219200"/>
+          <a:ext cx="8229599" cy="5562600"/>
         </p:xfrm>
         <a:graphic>
           <a:graphicData uri="http://schemas.openxmlformats.org/drawingml/2006/table">
@@ -4428,17 +4528,17 @@
                 <a:gridCol w="1175657"/>
                 <a:gridCol w="1175657"/>
               </a:tblGrid>
-              <a:tr h="850603">
+              <a:tr h="533400">
                 <a:tc>
                   <a:txBody>
                     <a:bodyPr/>
                     <a:lstStyle/>
                     <a:p>
                       <a:r>
-                        <a:rPr lang="en-US" sz="1600" b="1" dirty="0" smtClean="0"/>
+                        <a:rPr lang="en-US" sz="1200" b="1" dirty="0" smtClean="0"/>
                         <a:t>S.NO</a:t>
                       </a:r>
-                      <a:endParaRPr lang="en-US" sz="1600" b="1" dirty="0"/>
+                      <a:endParaRPr lang="en-US" sz="1200" b="1" dirty="0"/>
                     </a:p>
                   </a:txBody>
                   <a:tcPr/>
@@ -4449,10 +4549,10 @@
                     <a:lstStyle/>
                     <a:p>
                       <a:r>
-                        <a:rPr lang="en-US" sz="1600" b="1" dirty="0" smtClean="0"/>
+                        <a:rPr lang="en-US" sz="1200" b="1" dirty="0" smtClean="0"/>
                         <a:t>Title</a:t>
                       </a:r>
-                      <a:endParaRPr lang="en-US" sz="1600" b="1" dirty="0"/>
+                      <a:endParaRPr lang="en-US" sz="1200" b="1" dirty="0"/>
                     </a:p>
                   </a:txBody>
                   <a:tcPr/>
@@ -4463,10 +4563,10 @@
                     <a:lstStyle/>
                     <a:p>
                       <a:r>
-                        <a:rPr lang="en-US" sz="1600" b="1" dirty="0" smtClean="0"/>
+                        <a:rPr lang="en-US" sz="1200" b="1" dirty="0" smtClean="0"/>
                         <a:t>Author</a:t>
                       </a:r>
-                      <a:endParaRPr lang="en-US" sz="1600" b="1" dirty="0"/>
+                      <a:endParaRPr lang="en-US" sz="1200" b="1" dirty="0"/>
                     </a:p>
                   </a:txBody>
                   <a:tcPr/>
@@ -4477,14 +4577,14 @@
                     <a:lstStyle/>
                     <a:p>
                       <a:r>
-                        <a:rPr lang="en-US" sz="1600" b="1" dirty="0" smtClean="0"/>
+                        <a:rPr lang="en-US" sz="1200" b="1" dirty="0" smtClean="0"/>
                         <a:t>Journals</a:t>
                       </a:r>
                       <a:r>
-                        <a:rPr lang="en-US" sz="1600" b="1" baseline="0" dirty="0" smtClean="0"/>
+                        <a:rPr lang="en-US" sz="1200" b="1" baseline="0" dirty="0" smtClean="0"/>
                         <a:t> name and year</a:t>
                       </a:r>
-                      <a:endParaRPr lang="en-US" sz="1600" b="1" dirty="0"/>
+                      <a:endParaRPr lang="en-US" sz="1200" b="1" dirty="0"/>
                     </a:p>
                   </a:txBody>
                   <a:tcPr/>
@@ -4495,10 +4595,10 @@
                     <a:lstStyle/>
                     <a:p>
                       <a:r>
-                        <a:rPr lang="en-US" sz="1600" b="1" dirty="0" smtClean="0"/>
+                        <a:rPr lang="en-US" sz="1200" b="1" dirty="0" smtClean="0"/>
                         <a:t>Technology used</a:t>
                       </a:r>
-                      <a:endParaRPr lang="en-US" sz="1600" b="1" dirty="0"/>
+                      <a:endParaRPr lang="en-US" sz="1200" b="1" dirty="0"/>
                     </a:p>
                   </a:txBody>
                   <a:tcPr/>
@@ -4509,10 +4609,10 @@
                     <a:lstStyle/>
                     <a:p>
                       <a:r>
-                        <a:rPr lang="en-US" sz="1600" b="1" dirty="0" smtClean="0"/>
+                        <a:rPr lang="en-US" sz="1200" b="1" dirty="0" smtClean="0"/>
                         <a:t>Merits</a:t>
                       </a:r>
-                      <a:endParaRPr lang="en-US" sz="1600" b="1" dirty="0"/>
+                      <a:endParaRPr lang="en-US" sz="1200" b="1" dirty="0"/>
                     </a:p>
                   </a:txBody>
                   <a:tcPr/>
@@ -4523,26 +4623,26 @@
                     <a:lstStyle/>
                     <a:p>
                       <a:r>
-                        <a:rPr lang="en-US" sz="1600" b="1" dirty="0" smtClean="0"/>
+                        <a:rPr lang="en-US" sz="1200" b="1" dirty="0" smtClean="0"/>
                         <a:t>Demerits</a:t>
                       </a:r>
-                      <a:endParaRPr lang="en-US" sz="1600" b="1" dirty="0"/>
+                      <a:endParaRPr lang="en-US" sz="1200" b="1" dirty="0"/>
                     </a:p>
                   </a:txBody>
                   <a:tcPr/>
                 </a:tc>
               </a:tr>
-              <a:tr h="622359">
+              <a:tr h="816929">
                 <a:tc>
                   <a:txBody>
                     <a:bodyPr/>
                     <a:lstStyle/>
                     <a:p>
                       <a:r>
-                        <a:rPr lang="en-US" dirty="0" smtClean="0"/>
+                        <a:rPr lang="en-US" sz="1200" dirty="0" smtClean="0"/>
                         <a:t>1</a:t>
                       </a:r>
-                      <a:endParaRPr lang="en-US" dirty="0"/>
+                      <a:endParaRPr lang="en-US" sz="1200" dirty="0"/>
                     </a:p>
                   </a:txBody>
                   <a:tcPr/>
@@ -4552,7 +4652,11 @@
                     <a:bodyPr/>
                     <a:lstStyle/>
                     <a:p>
-                      <a:endParaRPr lang="en-US" dirty="0"/>
+                      <a:r>
+                        <a:rPr lang="en-US" sz="1200" dirty="0" smtClean="0"/>
+                        <a:t>Comparative Study on Network Monitoring Tools</a:t>
+                      </a:r>
+                      <a:endParaRPr lang="en-US" sz="1200" dirty="0"/>
                     </a:p>
                   </a:txBody>
                   <a:tcPr/>
@@ -4562,7 +4666,19 @@
                     <a:bodyPr/>
                     <a:lstStyle/>
                     <a:p>
-                      <a:endParaRPr lang="en-US" dirty="0"/>
+                      <a:r>
+                        <a:rPr lang="en-US" sz="1200" dirty="0" err="1" smtClean="0"/>
+                        <a:t>Vudipi</a:t>
+                      </a:r>
+                      <a:r>
+                        <a:rPr lang="en-US" sz="1200" dirty="0" smtClean="0"/>
+                        <a:t> </a:t>
+                      </a:r>
+                      <a:r>
+                        <a:rPr lang="en-US" sz="1200" dirty="0" err="1" smtClean="0"/>
+                        <a:t>Manohar</a:t>
+                      </a:r>
+                      <a:endParaRPr lang="en-US" sz="1200" dirty="0"/>
                     </a:p>
                   </a:txBody>
                   <a:tcPr/>
@@ -4572,7 +4688,11 @@
                     <a:bodyPr/>
                     <a:lstStyle/>
                     <a:p>
-                      <a:endParaRPr lang="en-US" dirty="0"/>
+                      <a:r>
+                        <a:rPr lang="en-US" sz="1200" dirty="0" smtClean="0"/>
+                        <a:t>International Research Journal of Engineering and Technology, 2020</a:t>
+                      </a:r>
+                      <a:endParaRPr lang="en-US" sz="1200" dirty="0"/>
                     </a:p>
                   </a:txBody>
                   <a:tcPr/>
@@ -4582,7 +4702,7 @@
                     <a:bodyPr/>
                     <a:lstStyle/>
                     <a:p>
-                      <a:endParaRPr lang="en-US" dirty="0"/>
+                      <a:endParaRPr lang="en-US" sz="1200" dirty="0"/>
                     </a:p>
                   </a:txBody>
                   <a:tcPr/>
@@ -4592,7 +4712,7 @@
                     <a:bodyPr/>
                     <a:lstStyle/>
                     <a:p>
-                      <a:endParaRPr lang="en-US"/>
+                      <a:endParaRPr lang="en-US" sz="1200" dirty="0"/>
                     </a:p>
                   </a:txBody>
                   <a:tcPr/>
@@ -4602,23 +4722,23 @@
                     <a:bodyPr/>
                     <a:lstStyle/>
                     <a:p>
-                      <a:endParaRPr lang="en-US"/>
+                      <a:endParaRPr lang="en-US" sz="1200" dirty="0"/>
                     </a:p>
                   </a:txBody>
                   <a:tcPr/>
                 </a:tc>
               </a:tr>
-              <a:tr h="622359">
+              <a:tr h="1310640">
                 <a:tc>
                   <a:txBody>
                     <a:bodyPr/>
                     <a:lstStyle/>
                     <a:p>
                       <a:r>
-                        <a:rPr lang="en-US" dirty="0" smtClean="0"/>
+                        <a:rPr lang="en-US" sz="1200" dirty="0" smtClean="0"/>
                         <a:t>2</a:t>
                       </a:r>
-                      <a:endParaRPr lang="en-US" dirty="0"/>
+                      <a:endParaRPr lang="en-US" sz="1200" dirty="0"/>
                     </a:p>
                   </a:txBody>
                   <a:tcPr/>
@@ -4628,7 +4748,35 @@
                     <a:bodyPr/>
                     <a:lstStyle/>
                     <a:p>
-                      <a:endParaRPr lang="en-US"/>
+                      <a:r>
+                        <a:rPr lang="en-US" sz="1200" dirty="0" err="1" smtClean="0"/>
+                        <a:t>Latika</a:t>
+                      </a:r>
+                      <a:r>
+                        <a:rPr lang="en-US" sz="1200" dirty="0" smtClean="0"/>
+                        <a:t> </a:t>
+                      </a:r>
+                      <a:r>
+                        <a:rPr lang="en-US" sz="1200" dirty="0" err="1" smtClean="0"/>
+                        <a:t>Kharb</a:t>
+                      </a:r>
+                      <a:r>
+                        <a:rPr lang="en-US" sz="1200" dirty="0" smtClean="0"/>
+                        <a:t>, </a:t>
+                      </a:r>
+                      <a:r>
+                        <a:rPr lang="en-US" sz="1200" dirty="0" err="1" smtClean="0"/>
+                        <a:t>Deepanshu</a:t>
+                      </a:r>
+                      <a:r>
+                        <a:rPr lang="en-US" sz="1200" dirty="0" smtClean="0"/>
+                        <a:t> </a:t>
+                      </a:r>
+                      <a:r>
+                        <a:rPr lang="en-US" sz="1200" dirty="0" err="1" smtClean="0"/>
+                        <a:t>Choudhary</a:t>
+                      </a:r>
+                      <a:endParaRPr lang="en-US" sz="1200" dirty="0"/>
                     </a:p>
                   </a:txBody>
                   <a:tcPr/>
@@ -4638,7 +4786,15 @@
                     <a:bodyPr/>
                     <a:lstStyle/>
                     <a:p>
-                      <a:endParaRPr lang="en-US"/>
+                      <a:r>
+                        <a:rPr lang="en-US" sz="1200" dirty="0" smtClean="0"/>
+                        <a:t>Deepak </a:t>
+                      </a:r>
+                      <a:r>
+                        <a:rPr lang="en-US" sz="1200" dirty="0" err="1" smtClean="0"/>
+                        <a:t>Chaha</a:t>
+                      </a:r>
+                      <a:endParaRPr lang="en-US" sz="1200" dirty="0"/>
                     </a:p>
                   </a:txBody>
                   <a:tcPr/>
@@ -4648,7 +4804,11 @@
                     <a:bodyPr/>
                     <a:lstStyle/>
                     <a:p>
-                      <a:endParaRPr lang="en-US"/>
+                      <a:r>
+                        <a:rPr lang="en-US" sz="1200" dirty="0" smtClean="0"/>
+                        <a:t>International Journal of Innovative Technology and Exploring Engineering (IJITEE) , 2019</a:t>
+                      </a:r>
+                      <a:endParaRPr lang="en-US" sz="1200" dirty="0"/>
                     </a:p>
                   </a:txBody>
                   <a:tcPr/>
@@ -4658,7 +4818,7 @@
                     <a:bodyPr/>
                     <a:lstStyle/>
                     <a:p>
-                      <a:endParaRPr lang="en-US"/>
+                      <a:endParaRPr lang="en-US" sz="1200" dirty="0"/>
                     </a:p>
                   </a:txBody>
                   <a:tcPr/>
@@ -4668,7 +4828,7 @@
                     <a:bodyPr/>
                     <a:lstStyle/>
                     <a:p>
-                      <a:endParaRPr lang="en-US"/>
+                      <a:endParaRPr lang="en-US" sz="1200"/>
                     </a:p>
                   </a:txBody>
                   <a:tcPr/>
@@ -4678,23 +4838,23 @@
                     <a:bodyPr/>
                     <a:lstStyle/>
                     <a:p>
-                      <a:endParaRPr lang="en-US"/>
+                      <a:endParaRPr lang="en-US" sz="1200"/>
                     </a:p>
                   </a:txBody>
                   <a:tcPr/>
                 </a:tc>
               </a:tr>
-              <a:tr h="622359">
+              <a:tr h="374033">
                 <a:tc>
                   <a:txBody>
                     <a:bodyPr/>
                     <a:lstStyle/>
                     <a:p>
                       <a:r>
-                        <a:rPr lang="en-US" dirty="0" smtClean="0"/>
+                        <a:rPr lang="en-US" sz="1200" dirty="0" smtClean="0"/>
                         <a:t>3</a:t>
                       </a:r>
-                      <a:endParaRPr lang="en-US" dirty="0"/>
+                      <a:endParaRPr lang="en-US" sz="1200" dirty="0"/>
                     </a:p>
                   </a:txBody>
                   <a:tcPr/>
@@ -4704,7 +4864,27 @@
                     <a:bodyPr/>
                     <a:lstStyle/>
                     <a:p>
-                      <a:endParaRPr lang="en-US"/>
+                      <a:r>
+                        <a:rPr lang="en-US" sz="1200" dirty="0" err="1" smtClean="0"/>
+                        <a:t>Kajal</a:t>
+                      </a:r>
+                      <a:r>
+                        <a:rPr lang="en-US" sz="1200" dirty="0" smtClean="0"/>
+                        <a:t> Jain, </a:t>
+                      </a:r>
+                      <a:r>
+                        <a:rPr lang="en-US" sz="1200" dirty="0" err="1" smtClean="0"/>
+                        <a:t>Narendra</a:t>
+                      </a:r>
+                      <a:r>
+                        <a:rPr lang="en-US" sz="1200" dirty="0" smtClean="0"/>
+                        <a:t> </a:t>
+                      </a:r>
+                      <a:r>
+                        <a:rPr lang="en-US" sz="1200" dirty="0" err="1" smtClean="0"/>
+                        <a:t>Vishwakarma</a:t>
+                      </a:r>
+                      <a:endParaRPr lang="en-US" sz="1200" dirty="0"/>
                     </a:p>
                   </a:txBody>
                   <a:tcPr/>
@@ -4714,7 +4894,15 @@
                     <a:bodyPr/>
                     <a:lstStyle/>
                     <a:p>
-                      <a:endParaRPr lang="en-US"/>
+                      <a:r>
+                        <a:rPr lang="en-US" sz="1200" dirty="0" err="1" smtClean="0"/>
+                        <a:t>Bhavya</a:t>
+                      </a:r>
+                      <a:r>
+                        <a:rPr lang="en-US" sz="1200" dirty="0" smtClean="0"/>
+                        <a:t> Jan</a:t>
+                      </a:r>
+                      <a:endParaRPr lang="en-US" sz="1200" dirty="0"/>
                     </a:p>
                   </a:txBody>
                   <a:tcPr/>
@@ -4724,7 +4912,11 @@
                     <a:bodyPr/>
                     <a:lstStyle/>
                     <a:p>
-                      <a:endParaRPr lang="en-US"/>
+                      <a:r>
+                        <a:rPr lang="en-US" sz="1200" dirty="0" smtClean="0"/>
+                        <a:t>International Journal of Creative Research Thoughts, 2018</a:t>
+                      </a:r>
+                      <a:endParaRPr lang="en-US" sz="1200" dirty="0"/>
                     </a:p>
                   </a:txBody>
                   <a:tcPr/>
@@ -4734,7 +4926,7 @@
                     <a:bodyPr/>
                     <a:lstStyle/>
                     <a:p>
-                      <a:endParaRPr lang="en-US"/>
+                      <a:endParaRPr lang="en-US" sz="1200"/>
                     </a:p>
                   </a:txBody>
                   <a:tcPr/>
@@ -4744,7 +4936,7 @@
                     <a:bodyPr/>
                     <a:lstStyle/>
                     <a:p>
-                      <a:endParaRPr lang="en-US"/>
+                      <a:endParaRPr lang="en-US" sz="1200"/>
                     </a:p>
                   </a:txBody>
                   <a:tcPr/>
@@ -4754,23 +4946,23 @@
                     <a:bodyPr/>
                     <a:lstStyle/>
                     <a:p>
-                      <a:endParaRPr lang="en-US"/>
+                      <a:endParaRPr lang="en-US" sz="1200"/>
                     </a:p>
                   </a:txBody>
                   <a:tcPr/>
                 </a:tc>
               </a:tr>
-              <a:tr h="622359">
+              <a:tr h="944880">
                 <a:tc>
                   <a:txBody>
                     <a:bodyPr/>
                     <a:lstStyle/>
                     <a:p>
                       <a:r>
-                        <a:rPr lang="en-US" dirty="0" smtClean="0"/>
+                        <a:rPr lang="en-US" sz="1200" dirty="0" smtClean="0"/>
                         <a:t>4</a:t>
                       </a:r>
-                      <a:endParaRPr lang="en-US" dirty="0"/>
+                      <a:endParaRPr lang="en-US" sz="1200" dirty="0"/>
                     </a:p>
                   </a:txBody>
                   <a:tcPr/>
@@ -4780,7 +4972,19 @@
                     <a:bodyPr/>
                     <a:lstStyle/>
                     <a:p>
-                      <a:endParaRPr lang="en-US"/>
+                      <a:r>
+                        <a:rPr lang="en-US" sz="1200" dirty="0" smtClean="0"/>
+                        <a:t>Suresh Kumar, “Capability of </a:t>
+                      </a:r>
+                      <a:r>
+                        <a:rPr lang="en-US" sz="1200" dirty="0" err="1" smtClean="0"/>
+                        <a:t>Wireshark</a:t>
+                      </a:r>
+                      <a:r>
+                        <a:rPr lang="en-US" sz="1200" dirty="0" smtClean="0"/>
+                        <a:t> as Intrusion Detection System</a:t>
+                      </a:r>
+                      <a:endParaRPr lang="en-US" sz="1200" dirty="0"/>
                     </a:p>
                   </a:txBody>
                   <a:tcPr/>
@@ -4790,7 +4994,15 @@
                     <a:bodyPr/>
                     <a:lstStyle/>
                     <a:p>
-                      <a:endParaRPr lang="en-US"/>
+                      <a:r>
+                        <a:rPr lang="en-US" sz="1200" dirty="0" err="1" smtClean="0"/>
+                        <a:t>Sakshi</a:t>
+                      </a:r>
+                      <a:r>
+                        <a:rPr lang="en-US" sz="1200" dirty="0" smtClean="0"/>
+                        <a:t> Singh</a:t>
+                      </a:r>
+                      <a:endParaRPr lang="en-US" sz="1200" dirty="0"/>
                     </a:p>
                   </a:txBody>
                   <a:tcPr/>
@@ -4800,7 +5012,11 @@
                     <a:bodyPr/>
                     <a:lstStyle/>
                     <a:p>
-                      <a:endParaRPr lang="en-US" dirty="0"/>
+                      <a:r>
+                        <a:rPr lang="en-US" sz="1200" dirty="0" smtClean="0"/>
+                        <a:t>International Journal of Recent Technology and Engineering, 2020</a:t>
+                      </a:r>
+                      <a:endParaRPr lang="en-US" sz="1200" dirty="0"/>
                     </a:p>
                   </a:txBody>
                   <a:tcPr/>
@@ -4810,7 +5026,7 @@
                     <a:bodyPr/>
                     <a:lstStyle/>
                     <a:p>
-                      <a:endParaRPr lang="en-US"/>
+                      <a:endParaRPr lang="en-US" sz="1200"/>
                     </a:p>
                   </a:txBody>
                   <a:tcPr/>
@@ -4820,7 +5036,7 @@
                     <a:bodyPr/>
                     <a:lstStyle/>
                     <a:p>
-                      <a:endParaRPr lang="en-US"/>
+                      <a:endParaRPr lang="en-US" sz="1200"/>
                     </a:p>
                   </a:txBody>
                   <a:tcPr/>
@@ -4830,23 +5046,23 @@
                     <a:bodyPr/>
                     <a:lstStyle/>
                     <a:p>
-                      <a:endParaRPr lang="en-US"/>
+                      <a:endParaRPr lang="en-US" sz="1200"/>
                     </a:p>
                   </a:txBody>
                   <a:tcPr/>
                 </a:tc>
               </a:tr>
-              <a:tr h="622359">
+              <a:tr h="929640">
                 <a:tc>
                   <a:txBody>
                     <a:bodyPr/>
                     <a:lstStyle/>
                     <a:p>
                       <a:r>
-                        <a:rPr lang="en-US" dirty="0" smtClean="0"/>
+                        <a:rPr lang="en-US" sz="1200" dirty="0" smtClean="0"/>
                         <a:t>5</a:t>
                       </a:r>
-                      <a:endParaRPr lang="en-US" dirty="0"/>
+                      <a:endParaRPr lang="en-US" sz="1200" dirty="0"/>
                     </a:p>
                   </a:txBody>
                   <a:tcPr/>
@@ -4856,7 +5072,31 @@
                     <a:bodyPr/>
                     <a:lstStyle/>
                     <a:p>
-                      <a:endParaRPr lang="en-US"/>
+                      <a:r>
+                        <a:rPr lang="en-US" sz="1200" dirty="0" err="1" smtClean="0"/>
+                        <a:t>Sameena</a:t>
+                      </a:r>
+                      <a:r>
+                        <a:rPr lang="en-US" sz="1200" dirty="0" smtClean="0"/>
+                        <a:t> </a:t>
+                      </a:r>
+                      <a:r>
+                        <a:rPr lang="en-US" sz="1200" dirty="0" err="1" smtClean="0"/>
+                        <a:t>Naaz</a:t>
+                      </a:r>
+                      <a:r>
+                        <a:rPr lang="en-US" sz="1200" dirty="0" smtClean="0"/>
+                        <a:t>, “</a:t>
+                      </a:r>
+                      <a:r>
+                        <a:rPr lang="en-US" sz="1200" dirty="0" err="1" smtClean="0"/>
+                        <a:t>Wireshark</a:t>
+                      </a:r>
+                      <a:r>
+                        <a:rPr lang="en-US" sz="1200" dirty="0" smtClean="0"/>
+                        <a:t> as a tool for detection of various LAN attacks</a:t>
+                      </a:r>
+                      <a:endParaRPr lang="en-US" sz="1200" dirty="0"/>
                     </a:p>
                   </a:txBody>
                   <a:tcPr/>
@@ -4866,7 +5106,19 @@
                     <a:bodyPr/>
                     <a:lstStyle/>
                     <a:p>
-                      <a:endParaRPr lang="en-US"/>
+                      <a:r>
+                        <a:rPr lang="en-US" sz="1200" dirty="0" err="1" smtClean="0"/>
+                        <a:t>Haroon</a:t>
+                      </a:r>
+                      <a:r>
+                        <a:rPr lang="en-US" sz="1200" dirty="0" smtClean="0"/>
+                        <a:t> </a:t>
+                      </a:r>
+                      <a:r>
+                        <a:rPr lang="en-US" sz="1200" dirty="0" err="1" smtClean="0"/>
+                        <a:t>Iqbal</a:t>
+                      </a:r>
+                      <a:endParaRPr lang="en-US" sz="1200" dirty="0"/>
                     </a:p>
                   </a:txBody>
                   <a:tcPr/>
@@ -4876,7 +5128,11 @@
                     <a:bodyPr/>
                     <a:lstStyle/>
                     <a:p>
-                      <a:endParaRPr lang="en-US"/>
+                      <a:r>
+                        <a:rPr lang="en-US" sz="1200" dirty="0" smtClean="0"/>
+                        <a:t>International Journal of Computer Science and Engineering, 2019</a:t>
+                      </a:r>
+                      <a:endParaRPr lang="en-US" sz="1200" dirty="0"/>
                     </a:p>
                   </a:txBody>
                   <a:tcPr/>
@@ -4886,7 +5142,7 @@
                     <a:bodyPr/>
                     <a:lstStyle/>
                     <a:p>
-                      <a:endParaRPr lang="en-US" dirty="0"/>
+                      <a:endParaRPr lang="en-US" sz="1200" dirty="0"/>
                     </a:p>
                   </a:txBody>
                   <a:tcPr/>
@@ -4896,7 +5152,7 @@
                     <a:bodyPr/>
                     <a:lstStyle/>
                     <a:p>
-                      <a:endParaRPr lang="en-US"/>
+                      <a:endParaRPr lang="en-US" sz="1200"/>
                     </a:p>
                   </a:txBody>
                   <a:tcPr/>
@@ -4906,7 +5162,7 @@
                     <a:bodyPr/>
                     <a:lstStyle/>
                     <a:p>
-                      <a:endParaRPr lang="en-US" dirty="0"/>
+                      <a:endParaRPr lang="en-US" sz="1200" dirty="0"/>
                     </a:p>
                   </a:txBody>
                   <a:tcPr/>

--- a/ARP SNIFFER IN OPEN WIFI.pptx
+++ b/ARP SNIFFER IN OPEN WIFI.pptx
@@ -3936,15 +3936,7 @@
             <a:pPr algn="ctr"/>
             <a:r>
               <a:rPr lang="en-US" sz="2800" dirty="0" smtClean="0"/>
-              <a:t>To stop the </a:t>
-            </a:r>
-            <a:r>
-              <a:rPr lang="en-US" sz="2800" smtClean="0"/>
-              <a:t>MITM of ARP </a:t>
-            </a:r>
-            <a:r>
-              <a:rPr lang="en-US" sz="2800" dirty="0" smtClean="0"/>
-              <a:t>poisoning in open </a:t>
+              <a:t>To stop the MITM of ARP poisoning in open </a:t>
             </a:r>
             <a:r>
               <a:rPr lang="en-US" sz="2800" dirty="0" err="1" smtClean="0"/>
@@ -4511,7 +4503,7 @@
         </p:nvGraphicFramePr>
         <p:xfrm>
           <a:off x="304800" y="1219200"/>
-          <a:ext cx="8229599" cy="5562600"/>
+          <a:ext cx="8229599" cy="5501640"/>
         </p:xfrm>
         <a:graphic>
           <a:graphicData uri="http://schemas.openxmlformats.org/drawingml/2006/table">
@@ -4702,6 +4694,30 @@
                     <a:bodyPr/>
                     <a:lstStyle/>
                     <a:p>
+                      <a:r>
+                        <a:rPr lang="en-US" sz="1200" dirty="0" smtClean="0"/>
+                        <a:t>Using</a:t>
+                      </a:r>
+                      <a:r>
+                        <a:rPr lang="en-US" sz="1200" baseline="0" dirty="0" smtClean="0"/>
+                        <a:t> </a:t>
+                      </a:r>
+                      <a:r>
+                        <a:rPr lang="en-US" sz="1200" baseline="0" dirty="0" err="1" smtClean="0"/>
+                        <a:t>Nmap</a:t>
+                      </a:r>
+                      <a:r>
+                        <a:rPr lang="en-US" sz="1200" baseline="0" dirty="0" smtClean="0"/>
+                        <a:t> to </a:t>
+                      </a:r>
+                      <a:r>
+                        <a:rPr lang="en-US" sz="1200" baseline="0" dirty="0" err="1" smtClean="0"/>
+                        <a:t>scannning</a:t>
+                      </a:r>
+                      <a:r>
+                        <a:rPr lang="en-US" sz="1200" baseline="0" dirty="0" smtClean="0"/>
+                        <a:t> network .</a:t>
+                      </a:r>
                       <a:endParaRPr lang="en-US" sz="1200" dirty="0"/>
                     </a:p>
                   </a:txBody>
@@ -4712,6 +4728,18 @@
                     <a:bodyPr/>
                     <a:lstStyle/>
                     <a:p>
+                      <a:r>
+                        <a:rPr lang="en-US" sz="1200" dirty="0" smtClean="0"/>
+                        <a:t>Show all the Local</a:t>
+                      </a:r>
+                      <a:r>
+                        <a:rPr lang="en-US" sz="1200" baseline="0" dirty="0" smtClean="0"/>
+                        <a:t> area network </a:t>
+                      </a:r>
+                      <a:r>
+                        <a:rPr lang="en-US" sz="1200" baseline="0" dirty="0" err="1" smtClean="0"/>
+                        <a:t>ip</a:t>
+                      </a:r>
                       <a:endParaRPr lang="en-US" sz="1200" dirty="0"/>
                     </a:p>
                   </a:txBody>
@@ -4722,6 +4750,14 @@
                     <a:bodyPr/>
                     <a:lstStyle/>
                     <a:p>
+                      <a:r>
+                        <a:rPr lang="en-US" sz="1200" dirty="0" smtClean="0"/>
+                        <a:t>It</a:t>
+                      </a:r>
+                      <a:r>
+                        <a:rPr lang="en-US" sz="1200" baseline="0" dirty="0" smtClean="0"/>
+                        <a:t> doesn’t do anything in network.</a:t>
+                      </a:r>
                       <a:endParaRPr lang="en-US" sz="1200" dirty="0"/>
                     </a:p>
                   </a:txBody>
@@ -4749,32 +4785,28 @@
                     <a:lstStyle/>
                     <a:p>
                       <a:r>
-                        <a:rPr lang="en-US" sz="1200" dirty="0" err="1" smtClean="0"/>
-                        <a:t>Latika</a:t>
-                      </a:r>
-                      <a:r>
-                        <a:rPr lang="en-US" sz="1200" dirty="0" smtClean="0"/>
-                        <a:t> </a:t>
-                      </a:r>
-                      <a:r>
-                        <a:rPr lang="en-US" sz="1200" dirty="0" err="1" smtClean="0"/>
-                        <a:t>Kharb</a:t>
-                      </a:r>
-                      <a:r>
-                        <a:rPr lang="en-US" sz="1200" dirty="0" smtClean="0"/>
-                        <a:t>, </a:t>
-                      </a:r>
-                      <a:r>
-                        <a:rPr lang="en-US" sz="1200" dirty="0" err="1" smtClean="0"/>
-                        <a:t>Deepanshu</a:t>
-                      </a:r>
-                      <a:r>
-                        <a:rPr lang="en-US" sz="1200" dirty="0" smtClean="0"/>
-                        <a:t> </a:t>
-                      </a:r>
-                      <a:r>
-                        <a:rPr lang="en-US" sz="1200" dirty="0" err="1" smtClean="0"/>
-                        <a:t>Choudhary</a:t>
+                        <a:rPr lang="en-US" sz="1200" kern="1200" baseline="0" dirty="0" smtClean="0">
+                          <a:solidFill>
+                            <a:schemeClr val="tx1"/>
+                          </a:solidFill>
+                          <a:latin typeface="+mn-lt"/>
+                          <a:ea typeface="+mn-ea"/>
+                          <a:cs typeface="+mn-cs"/>
+                        </a:rPr>
+                        <a:t>Performance</a:t>
+                      </a:r>
+                    </a:p>
+                    <a:p>
+                      <a:r>
+                        <a:rPr lang="en-US" sz="1200" kern="1200" baseline="0" dirty="0" smtClean="0">
+                          <a:solidFill>
+                            <a:schemeClr val="tx1"/>
+                          </a:solidFill>
+                          <a:latin typeface="+mn-lt"/>
+                          <a:ea typeface="+mn-ea"/>
+                          <a:cs typeface="+mn-cs"/>
+                        </a:rPr>
+                        <a:t>Analytics of Network Monitoring Tools</a:t>
                       </a:r>
                       <a:endParaRPr lang="en-US" sz="1200" dirty="0"/>
                     </a:p>
@@ -4787,12 +4819,114 @@
                     <a:lstStyle/>
                     <a:p>
                       <a:r>
-                        <a:rPr lang="en-US" sz="1200" dirty="0" smtClean="0"/>
+                        <a:rPr lang="en-US" sz="1200" kern="1200" baseline="0" dirty="0" smtClean="0">
+                          <a:solidFill>
+                            <a:schemeClr val="tx1"/>
+                          </a:solidFill>
+                          <a:latin typeface="+mn-lt"/>
+                          <a:ea typeface="+mn-ea"/>
+                          <a:cs typeface="+mn-cs"/>
+                        </a:rPr>
                         <a:t>Deepak </a:t>
                       </a:r>
                       <a:r>
-                        <a:rPr lang="en-US" sz="1200" dirty="0" err="1" smtClean="0"/>
-                        <a:t>Chaha</a:t>
+                        <a:rPr lang="en-US" sz="1200" kern="1200" baseline="0" dirty="0" err="1" smtClean="0">
+                          <a:solidFill>
+                            <a:schemeClr val="tx1"/>
+                          </a:solidFill>
+                          <a:latin typeface="+mn-lt"/>
+                          <a:ea typeface="+mn-ea"/>
+                          <a:cs typeface="+mn-cs"/>
+                        </a:rPr>
+                        <a:t>Chahal</a:t>
+                      </a:r>
+                      <a:r>
+                        <a:rPr lang="en-US" sz="1200" kern="1200" baseline="0" dirty="0" smtClean="0">
+                          <a:solidFill>
+                            <a:schemeClr val="tx1"/>
+                          </a:solidFill>
+                          <a:latin typeface="+mn-lt"/>
+                          <a:ea typeface="+mn-ea"/>
+                          <a:cs typeface="+mn-cs"/>
+                        </a:rPr>
+                        <a:t>, Lat </a:t>
+                      </a:r>
+                      <a:r>
+                        <a:rPr lang="en-US" sz="1200" kern="1200" baseline="0" dirty="0" err="1" smtClean="0">
+                          <a:solidFill>
+                            <a:schemeClr val="tx1"/>
+                          </a:solidFill>
+                          <a:latin typeface="+mn-lt"/>
+                          <a:ea typeface="+mn-ea"/>
+                          <a:cs typeface="+mn-cs"/>
+                        </a:rPr>
+                        <a:t>ika</a:t>
+                      </a:r>
+                      <a:r>
+                        <a:rPr lang="en-US" sz="1200" kern="1200" baseline="0" dirty="0" smtClean="0">
+                          <a:solidFill>
+                            <a:schemeClr val="tx1"/>
+                          </a:solidFill>
+                          <a:latin typeface="+mn-lt"/>
+                          <a:ea typeface="+mn-ea"/>
+                          <a:cs typeface="+mn-cs"/>
+                        </a:rPr>
+                        <a:t> </a:t>
+                      </a:r>
+                      <a:r>
+                        <a:rPr lang="en-US" sz="1200" kern="1200" baseline="0" dirty="0" err="1" smtClean="0">
+                          <a:solidFill>
+                            <a:schemeClr val="tx1"/>
+                          </a:solidFill>
+                          <a:latin typeface="+mn-lt"/>
+                          <a:ea typeface="+mn-ea"/>
+                          <a:cs typeface="+mn-cs"/>
+                        </a:rPr>
+                        <a:t>Kharb</a:t>
+                      </a:r>
+                      <a:r>
+                        <a:rPr lang="en-US" sz="1200" kern="1200" baseline="0" dirty="0" smtClean="0">
+                          <a:solidFill>
+                            <a:schemeClr val="tx1"/>
+                          </a:solidFill>
+                          <a:latin typeface="+mn-lt"/>
+                          <a:ea typeface="+mn-ea"/>
+                          <a:cs typeface="+mn-cs"/>
+                        </a:rPr>
+                        <a:t>, </a:t>
+                      </a:r>
+                      <a:r>
+                        <a:rPr lang="en-US" sz="1200" kern="1200" baseline="0" dirty="0" err="1" smtClean="0">
+                          <a:solidFill>
+                            <a:schemeClr val="tx1"/>
+                          </a:solidFill>
+                          <a:latin typeface="+mn-lt"/>
+                          <a:ea typeface="+mn-ea"/>
+                          <a:cs typeface="+mn-cs"/>
+                        </a:rPr>
+                        <a:t>Deepanshu</a:t>
+                      </a:r>
+                      <a:r>
+                        <a:rPr lang="en-US" sz="1200" kern="1200" baseline="0" dirty="0" smtClean="0">
+                          <a:solidFill>
+                            <a:schemeClr val="tx1"/>
+                          </a:solidFill>
+                          <a:latin typeface="+mn-lt"/>
+                          <a:ea typeface="+mn-ea"/>
+                          <a:cs typeface="+mn-cs"/>
+                        </a:rPr>
+                        <a:t> </a:t>
+                      </a:r>
+                      <a:r>
+                        <a:rPr lang="en-US" sz="1200" kern="1200" baseline="0" dirty="0" err="1" smtClean="0">
+                          <a:solidFill>
+                            <a:schemeClr val="tx1"/>
+                          </a:solidFill>
+                          <a:latin typeface="+mn-lt"/>
+                          <a:ea typeface="+mn-ea"/>
+                          <a:cs typeface="+mn-cs"/>
+                        </a:rPr>
+                        <a:t>Choudhary</a:t>
                       </a:r>
                       <a:endParaRPr lang="en-US" sz="1200" dirty="0"/>
                     </a:p>
@@ -4807,6 +4941,229 @@
                       <a:r>
                         <a:rPr lang="en-US" sz="1200" dirty="0" smtClean="0"/>
                         <a:t>International Journal of Innovative Technology and Exploring Engineering (IJITEE) , 2019</a:t>
+                      </a:r>
+                      <a:endParaRPr lang="en-US" sz="1200" dirty="0"/>
+                    </a:p>
+                  </a:txBody>
+                  <a:tcPr/>
+                </a:tc>
+                <a:tc>
+                  <a:txBody>
+                    <a:bodyPr/>
+                    <a:lstStyle/>
+                    <a:p>
+                      <a:r>
+                        <a:rPr lang="en-US" sz="1200" dirty="0" err="1" smtClean="0"/>
+                        <a:t>Wireshark</a:t>
+                      </a:r>
+                      <a:r>
+                        <a:rPr lang="en-US" sz="1200" dirty="0" smtClean="0"/>
+                        <a:t> to sniff</a:t>
+                      </a:r>
+                      <a:r>
+                        <a:rPr lang="en-US" sz="1200" baseline="0" dirty="0" smtClean="0"/>
+                        <a:t> network packets.</a:t>
+                      </a:r>
+                      <a:r>
+                        <a:rPr lang="en-US" sz="1200" dirty="0" smtClean="0"/>
+                        <a:t> Kiwi Monitor</a:t>
+                      </a:r>
+                      <a:endParaRPr lang="en-US" sz="1200" dirty="0"/>
+                    </a:p>
+                  </a:txBody>
+                  <a:tcPr/>
+                </a:tc>
+                <a:tc>
+                  <a:txBody>
+                    <a:bodyPr/>
+                    <a:lstStyle/>
+                    <a:p>
+                      <a:r>
+                        <a:rPr lang="en-US" sz="1200" dirty="0" smtClean="0"/>
+                        <a:t>smart network monitoring system</a:t>
+                      </a:r>
+                      <a:endParaRPr lang="en-US" sz="1200" dirty="0"/>
+                    </a:p>
+                  </a:txBody>
+                  <a:tcPr/>
+                </a:tc>
+                <a:tc>
+                  <a:txBody>
+                    <a:bodyPr/>
+                    <a:lstStyle/>
+                    <a:p>
+                      <a:endParaRPr lang="en-US" sz="1200"/>
+                    </a:p>
+                  </a:txBody>
+                  <a:tcPr/>
+                </a:tc>
+              </a:tr>
+              <a:tr h="374033">
+                <a:tc>
+                  <a:txBody>
+                    <a:bodyPr/>
+                    <a:lstStyle/>
+                    <a:p>
+                      <a:r>
+                        <a:rPr lang="en-US" sz="1200" dirty="0" smtClean="0"/>
+                        <a:t>3</a:t>
+                      </a:r>
+                      <a:endParaRPr lang="en-US" sz="1200" dirty="0"/>
+                    </a:p>
+                  </a:txBody>
+                  <a:tcPr/>
+                </a:tc>
+                <a:tc>
+                  <a:txBody>
+                    <a:bodyPr/>
+                    <a:lstStyle/>
+                    <a:p>
+                      <a:r>
+                        <a:rPr lang="en-US" sz="1200" kern="1200" baseline="0" dirty="0" smtClean="0">
+                          <a:solidFill>
+                            <a:schemeClr val="tx1"/>
+                          </a:solidFill>
+                          <a:latin typeface="+mn-lt"/>
+                          <a:ea typeface="+mn-ea"/>
+                          <a:cs typeface="+mn-cs"/>
+                        </a:rPr>
+                        <a:t>Network Monitoring</a:t>
+                      </a:r>
+                    </a:p>
+                    <a:p>
+                      <a:r>
+                        <a:rPr lang="en-US" sz="1200" kern="1200" baseline="0" dirty="0" smtClean="0">
+                          <a:solidFill>
+                            <a:schemeClr val="tx1"/>
+                          </a:solidFill>
+                          <a:latin typeface="+mn-lt"/>
+                          <a:ea typeface="+mn-ea"/>
+                          <a:cs typeface="+mn-cs"/>
+                        </a:rPr>
+                        <a:t>Tools and Technologies</a:t>
+                      </a:r>
+                      <a:endParaRPr lang="en-US" sz="1200" dirty="0"/>
+                    </a:p>
+                  </a:txBody>
+                  <a:tcPr/>
+                </a:tc>
+                <a:tc>
+                  <a:txBody>
+                    <a:bodyPr/>
+                    <a:lstStyle/>
+                    <a:p>
+                      <a:r>
+                        <a:rPr lang="en-US" sz="1200" kern="1200" baseline="0" dirty="0" err="1" smtClean="0">
+                          <a:solidFill>
+                            <a:schemeClr val="tx1"/>
+                          </a:solidFill>
+                          <a:latin typeface="+mn-lt"/>
+                          <a:ea typeface="+mn-ea"/>
+                          <a:cs typeface="+mn-cs"/>
+                        </a:rPr>
+                        <a:t>Bhavya</a:t>
+                      </a:r>
+                      <a:r>
+                        <a:rPr lang="en-US" sz="1200" kern="1200" baseline="0" dirty="0" smtClean="0">
+                          <a:solidFill>
+                            <a:schemeClr val="tx1"/>
+                          </a:solidFill>
+                          <a:latin typeface="+mn-lt"/>
+                          <a:ea typeface="+mn-ea"/>
+                          <a:cs typeface="+mn-cs"/>
+                        </a:rPr>
+                        <a:t> </a:t>
+                      </a:r>
+                      <a:r>
+                        <a:rPr lang="en-US" sz="1200" kern="1200" baseline="0" dirty="0" err="1" smtClean="0">
+                          <a:solidFill>
+                            <a:schemeClr val="tx1"/>
+                          </a:solidFill>
+                          <a:latin typeface="+mn-lt"/>
+                          <a:ea typeface="+mn-ea"/>
+                          <a:cs typeface="+mn-cs"/>
+                        </a:rPr>
+                        <a:t>Jani</a:t>
+                      </a:r>
+                      <a:r>
+                        <a:rPr lang="en-US" sz="1200" kern="1200" baseline="0" dirty="0" smtClean="0">
+                          <a:solidFill>
+                            <a:schemeClr val="tx1"/>
+                          </a:solidFill>
+                          <a:latin typeface="+mn-lt"/>
+                          <a:ea typeface="+mn-ea"/>
+                          <a:cs typeface="+mn-cs"/>
+                        </a:rPr>
+                        <a:t>, </a:t>
+                      </a:r>
+                      <a:r>
+                        <a:rPr lang="en-US" sz="1200" kern="1200" baseline="0" dirty="0" err="1" smtClean="0">
+                          <a:solidFill>
+                            <a:schemeClr val="tx1"/>
+                          </a:solidFill>
+                          <a:latin typeface="+mn-lt"/>
+                          <a:ea typeface="+mn-ea"/>
+                          <a:cs typeface="+mn-cs"/>
+                        </a:rPr>
+                        <a:t>Kajal</a:t>
+                      </a:r>
+                      <a:r>
+                        <a:rPr lang="en-US" sz="1200" kern="1200" baseline="0" dirty="0" smtClean="0">
+                          <a:solidFill>
+                            <a:schemeClr val="tx1"/>
+                          </a:solidFill>
+                          <a:latin typeface="+mn-lt"/>
+                          <a:ea typeface="+mn-ea"/>
+                          <a:cs typeface="+mn-cs"/>
+                        </a:rPr>
+                        <a:t> Jain, </a:t>
+                      </a:r>
+                      <a:r>
+                        <a:rPr lang="en-US" sz="1200" kern="1200" baseline="0" dirty="0" err="1" smtClean="0">
+                          <a:solidFill>
+                            <a:schemeClr val="tx1"/>
+                          </a:solidFill>
+                          <a:latin typeface="+mn-lt"/>
+                          <a:ea typeface="+mn-ea"/>
+                          <a:cs typeface="+mn-cs"/>
+                        </a:rPr>
+                        <a:t>Narendra</a:t>
+                      </a:r>
+                      <a:r>
+                        <a:rPr lang="en-US" sz="1200" kern="1200" baseline="0" dirty="0" smtClean="0">
+                          <a:solidFill>
+                            <a:schemeClr val="tx1"/>
+                          </a:solidFill>
+                          <a:latin typeface="+mn-lt"/>
+                          <a:ea typeface="+mn-ea"/>
+                          <a:cs typeface="+mn-cs"/>
+                        </a:rPr>
+                        <a:t> </a:t>
+                      </a:r>
+                      <a:r>
+                        <a:rPr lang="en-US" sz="1200" kern="1200" baseline="0" dirty="0" err="1" smtClean="0">
+                          <a:solidFill>
+                            <a:schemeClr val="tx1"/>
+                          </a:solidFill>
+                          <a:latin typeface="+mn-lt"/>
+                          <a:ea typeface="+mn-ea"/>
+                          <a:cs typeface="+mn-cs"/>
+                        </a:rPr>
+                        <a:t>Vishwakarma</a:t>
+                      </a:r>
+                      <a:endParaRPr lang="en-US" sz="1200" dirty="0"/>
+                    </a:p>
+                  </a:txBody>
+                  <a:tcPr/>
+                </a:tc>
+                <a:tc>
+                  <a:txBody>
+                    <a:bodyPr/>
+                    <a:lstStyle/>
+                    <a:p>
+                      <a:r>
+                        <a:rPr lang="en-US" sz="1200" dirty="0" smtClean="0"/>
+                        <a:t>International Journal of Creative Research Thoughts, 2018</a:t>
                       </a:r>
                       <a:endParaRPr lang="en-US" sz="1200" dirty="0"/>
                     </a:p>
@@ -4844,7 +5201,7 @@
                   <a:tcPr/>
                 </a:tc>
               </a:tr>
-              <a:tr h="374033">
+              <a:tr h="944880">
                 <a:tc>
                   <a:txBody>
                     <a:bodyPr/>
@@ -4852,7 +5209,7 @@
                     <a:p>
                       <a:r>
                         <a:rPr lang="en-US" sz="1200" dirty="0" smtClean="0"/>
-                        <a:t>3</a:t>
+                        <a:t>4</a:t>
                       </a:r>
                       <a:endParaRPr lang="en-US" sz="1200" dirty="0"/>
                     </a:p>
@@ -4865,116 +5222,12 @@
                     <a:lstStyle/>
                     <a:p>
                       <a:r>
-                        <a:rPr lang="en-US" sz="1200" dirty="0" err="1" smtClean="0"/>
-                        <a:t>Kajal</a:t>
-                      </a:r>
-                      <a:r>
                         <a:rPr lang="en-US" sz="1200" dirty="0" smtClean="0"/>
-                        <a:t> Jain, </a:t>
-                      </a:r>
-                      <a:r>
-                        <a:rPr lang="en-US" sz="1200" dirty="0" err="1" smtClean="0"/>
-                        <a:t>Narendra</a:t>
+                        <a:t>Capability </a:t>
                       </a:r>
                       <a:r>
                         <a:rPr lang="en-US" sz="1200" dirty="0" smtClean="0"/>
-                        <a:t> </a:t>
-                      </a:r>
-                      <a:r>
-                        <a:rPr lang="en-US" sz="1200" dirty="0" err="1" smtClean="0"/>
-                        <a:t>Vishwakarma</a:t>
-                      </a:r>
-                      <a:endParaRPr lang="en-US" sz="1200" dirty="0"/>
-                    </a:p>
-                  </a:txBody>
-                  <a:tcPr/>
-                </a:tc>
-                <a:tc>
-                  <a:txBody>
-                    <a:bodyPr/>
-                    <a:lstStyle/>
-                    <a:p>
-                      <a:r>
-                        <a:rPr lang="en-US" sz="1200" dirty="0" err="1" smtClean="0"/>
-                        <a:t>Bhavya</a:t>
-                      </a:r>
-                      <a:r>
-                        <a:rPr lang="en-US" sz="1200" dirty="0" smtClean="0"/>
-                        <a:t> Jan</a:t>
-                      </a:r>
-                      <a:endParaRPr lang="en-US" sz="1200" dirty="0"/>
-                    </a:p>
-                  </a:txBody>
-                  <a:tcPr/>
-                </a:tc>
-                <a:tc>
-                  <a:txBody>
-                    <a:bodyPr/>
-                    <a:lstStyle/>
-                    <a:p>
-                      <a:r>
-                        <a:rPr lang="en-US" sz="1200" dirty="0" smtClean="0"/>
-                        <a:t>International Journal of Creative Research Thoughts, 2018</a:t>
-                      </a:r>
-                      <a:endParaRPr lang="en-US" sz="1200" dirty="0"/>
-                    </a:p>
-                  </a:txBody>
-                  <a:tcPr/>
-                </a:tc>
-                <a:tc>
-                  <a:txBody>
-                    <a:bodyPr/>
-                    <a:lstStyle/>
-                    <a:p>
-                      <a:endParaRPr lang="en-US" sz="1200"/>
-                    </a:p>
-                  </a:txBody>
-                  <a:tcPr/>
-                </a:tc>
-                <a:tc>
-                  <a:txBody>
-                    <a:bodyPr/>
-                    <a:lstStyle/>
-                    <a:p>
-                      <a:endParaRPr lang="en-US" sz="1200"/>
-                    </a:p>
-                  </a:txBody>
-                  <a:tcPr/>
-                </a:tc>
-                <a:tc>
-                  <a:txBody>
-                    <a:bodyPr/>
-                    <a:lstStyle/>
-                    <a:p>
-                      <a:endParaRPr lang="en-US" sz="1200"/>
-                    </a:p>
-                  </a:txBody>
-                  <a:tcPr/>
-                </a:tc>
-              </a:tr>
-              <a:tr h="944880">
-                <a:tc>
-                  <a:txBody>
-                    <a:bodyPr/>
-                    <a:lstStyle/>
-                    <a:p>
-                      <a:r>
-                        <a:rPr lang="en-US" sz="1200" dirty="0" smtClean="0"/>
-                        <a:t>4</a:t>
-                      </a:r>
-                      <a:endParaRPr lang="en-US" sz="1200" dirty="0"/>
-                    </a:p>
-                  </a:txBody>
-                  <a:tcPr/>
-                </a:tc>
-                <a:tc>
-                  <a:txBody>
-                    <a:bodyPr/>
-                    <a:lstStyle/>
-                    <a:p>
-                      <a:r>
-                        <a:rPr lang="en-US" sz="1200" dirty="0" smtClean="0"/>
-                        <a:t>Suresh Kumar, “Capability of </a:t>
+                        <a:t>of </a:t>
                       </a:r>
                       <a:r>
                         <a:rPr lang="en-US" sz="1200" dirty="0" err="1" smtClean="0"/>
@@ -5074,27 +5327,15 @@
                     <a:p>
                       <a:r>
                         <a:rPr lang="en-US" sz="1200" dirty="0" err="1" smtClean="0"/>
-                        <a:t>Sameena</a:t>
+                        <a:t>Wireshark</a:t>
                       </a:r>
                       <a:r>
                         <a:rPr lang="en-US" sz="1200" dirty="0" smtClean="0"/>
                         <a:t> </a:t>
                       </a:r>
                       <a:r>
-                        <a:rPr lang="en-US" sz="1200" dirty="0" err="1" smtClean="0"/>
-                        <a:t>Naaz</a:t>
-                      </a:r>
-                      <a:r>
                         <a:rPr lang="en-US" sz="1200" dirty="0" smtClean="0"/>
-                        <a:t>, “</a:t>
-                      </a:r>
-                      <a:r>
-                        <a:rPr lang="en-US" sz="1200" dirty="0" err="1" smtClean="0"/>
-                        <a:t>Wireshark</a:t>
-                      </a:r>
-                      <a:r>
-                        <a:rPr lang="en-US" sz="1200" dirty="0" smtClean="0"/>
-                        <a:t> as a tool for detection of various LAN attacks</a:t>
+                        <a:t>as a tool for detection of various LAN attacks</a:t>
                       </a:r>
                       <a:endParaRPr lang="en-US" sz="1200" dirty="0"/>
                     </a:p>

--- a/ARP SNIFFER IN OPEN WIFI.pptx
+++ b/ARP SNIFFER IN OPEN WIFI.pptx
@@ -5,7 +5,7 @@
     <p:sldMasterId id="2147483876" r:id="rId1"/>
   </p:sldMasterIdLst>
   <p:notesMasterIdLst>
-    <p:notesMasterId r:id="rId8"/>
+    <p:notesMasterId r:id="rId9"/>
   </p:notesMasterIdLst>
   <p:sldIdLst>
     <p:sldId id="256" r:id="rId2"/>
@@ -14,6 +14,7 @@
     <p:sldId id="259" r:id="rId5"/>
     <p:sldId id="260" r:id="rId6"/>
     <p:sldId id="261" r:id="rId7"/>
+    <p:sldId id="262" r:id="rId8"/>
   </p:sldIdLst>
   <p:sldSz cx="9144000" cy="6858000" type="screen4x3"/>
   <p:notesSz cx="6858000" cy="9144000"/>
@@ -198,7 +199,7 @@
             <a:fld id="{9CC613BD-0CE1-48CF-8C57-83E1E1368783}" type="datetimeFigureOut">
               <a:rPr lang="en-US" smtClean="0"/>
               <a:pPr/>
-              <a:t>3/29/22</a:t>
+              <a:t>3/29/2022</a:t>
             </a:fld>
             <a:endParaRPr lang="en-US"/>
           </a:p>
@@ -367,6 +368,11 @@
         </p:txBody>
       </p:sp>
     </p:spTree>
+    <p:extLst>
+      <p:ext uri="{BB962C8B-B14F-4D97-AF65-F5344CB8AC3E}">
+        <p14:creationId xmlns:p14="http://schemas.microsoft.com/office/powerpoint/2010/main" val="882880832"/>
+      </p:ext>
+    </p:extLst>
   </p:cSld>
   <p:clrMap bg1="lt1" tx1="dk1" bg2="lt2" tx2="dk2" accent1="accent1" accent2="accent2" accent3="accent3" accent4="accent4" accent5="accent5" accent6="accent6" hlink="hlink" folHlink="folHlink"/>
   <p:notesStyle>
@@ -728,7 +734,7 @@
             <a:fld id="{066B5A5E-6C17-40CE-8F28-8B57EED25B4E}" type="datetimeFigureOut">
               <a:rPr lang="en-US" smtClean="0"/>
               <a:pPr/>
-              <a:t>3/29/22</a:t>
+              <a:t>3/29/2022</a:t>
             </a:fld>
             <a:endParaRPr lang="en-US"/>
           </a:p>
@@ -895,7 +901,7 @@
             <a:fld id="{066B5A5E-6C17-40CE-8F28-8B57EED25B4E}" type="datetimeFigureOut">
               <a:rPr lang="en-US" smtClean="0"/>
               <a:pPr/>
-              <a:t>3/29/22</a:t>
+              <a:t>3/29/2022</a:t>
             </a:fld>
             <a:endParaRPr lang="en-US"/>
           </a:p>
@@ -1072,7 +1078,7 @@
             <a:fld id="{066B5A5E-6C17-40CE-8F28-8B57EED25B4E}" type="datetimeFigureOut">
               <a:rPr lang="en-US" smtClean="0"/>
               <a:pPr/>
-              <a:t>3/29/22</a:t>
+              <a:t>3/29/2022</a:t>
             </a:fld>
             <a:endParaRPr lang="en-US"/>
           </a:p>
@@ -1239,7 +1245,7 @@
             <a:fld id="{066B5A5E-6C17-40CE-8F28-8B57EED25B4E}" type="datetimeFigureOut">
               <a:rPr lang="en-US" smtClean="0"/>
               <a:pPr/>
-              <a:t>3/29/22</a:t>
+              <a:t>3/29/2022</a:t>
             </a:fld>
             <a:endParaRPr lang="en-US"/>
           </a:p>
@@ -1482,7 +1488,7 @@
             <a:fld id="{066B5A5E-6C17-40CE-8F28-8B57EED25B4E}" type="datetimeFigureOut">
               <a:rPr lang="en-US" smtClean="0"/>
               <a:pPr/>
-              <a:t>3/29/22</a:t>
+              <a:t>3/29/2022</a:t>
             </a:fld>
             <a:endParaRPr lang="en-US"/>
           </a:p>
@@ -1767,7 +1773,7 @@
             <a:fld id="{066B5A5E-6C17-40CE-8F28-8B57EED25B4E}" type="datetimeFigureOut">
               <a:rPr lang="en-US" smtClean="0"/>
               <a:pPr/>
-              <a:t>3/29/22</a:t>
+              <a:t>3/29/2022</a:t>
             </a:fld>
             <a:endParaRPr lang="en-US"/>
           </a:p>
@@ -2186,7 +2192,7 @@
             <a:fld id="{066B5A5E-6C17-40CE-8F28-8B57EED25B4E}" type="datetimeFigureOut">
               <a:rPr lang="en-US" smtClean="0"/>
               <a:pPr/>
-              <a:t>3/29/22</a:t>
+              <a:t>3/29/2022</a:t>
             </a:fld>
             <a:endParaRPr lang="en-US"/>
           </a:p>
@@ -2301,7 +2307,7 @@
             <a:fld id="{066B5A5E-6C17-40CE-8F28-8B57EED25B4E}" type="datetimeFigureOut">
               <a:rPr lang="en-US" smtClean="0"/>
               <a:pPr/>
-              <a:t>3/29/22</a:t>
+              <a:t>3/29/2022</a:t>
             </a:fld>
             <a:endParaRPr lang="en-US"/>
           </a:p>
@@ -2393,7 +2399,7 @@
             <a:fld id="{066B5A5E-6C17-40CE-8F28-8B57EED25B4E}" type="datetimeFigureOut">
               <a:rPr lang="en-US" smtClean="0"/>
               <a:pPr/>
-              <a:t>3/29/22</a:t>
+              <a:t>3/29/2022</a:t>
             </a:fld>
             <a:endParaRPr lang="en-US"/>
           </a:p>
@@ -2667,7 +2673,7 @@
             <a:fld id="{066B5A5E-6C17-40CE-8F28-8B57EED25B4E}" type="datetimeFigureOut">
               <a:rPr lang="en-US" smtClean="0"/>
               <a:pPr/>
-              <a:t>3/29/22</a:t>
+              <a:t>3/29/2022</a:t>
             </a:fld>
             <a:endParaRPr lang="en-US"/>
           </a:p>
@@ -2917,7 +2923,7 @@
             <a:fld id="{066B5A5E-6C17-40CE-8F28-8B57EED25B4E}" type="datetimeFigureOut">
               <a:rPr lang="en-US" smtClean="0"/>
               <a:pPr/>
-              <a:t>3/29/22</a:t>
+              <a:t>3/29/2022</a:t>
             </a:fld>
             <a:endParaRPr lang="en-US"/>
           </a:p>
@@ -3127,7 +3133,7 @@
             <a:fld id="{066B5A5E-6C17-40CE-8F28-8B57EED25B4E}" type="datetimeFigureOut">
               <a:rPr lang="en-US" smtClean="0"/>
               <a:pPr/>
-              <a:t>3/29/22</a:t>
+              <a:t>3/29/2022</a:t>
             </a:fld>
             <a:endParaRPr lang="en-US"/>
           </a:p>
@@ -3528,7 +3534,24 @@
                   </a:schemeClr>
                 </a:solidFill>
               </a:rPr>
-              <a:t> ARP SNIFFER IN OPEN WIFI</a:t>
+              <a:t> </a:t>
+            </a:r>
+            <a:r>
+              <a:rPr lang="en-US" dirty="0" smtClean="0">
+                <a:solidFill>
+                  <a:schemeClr val="bg2">
+                    <a:lumMod val="10000"/>
+                  </a:schemeClr>
+                </a:solidFill>
+                <a:effectLst>
+                  <a:outerShdw blurRad="38100" dist="38100" dir="2700000" algn="tl">
+                    <a:srgbClr val="000000">
+                      <a:alpha val="43137"/>
+                    </a:srgbClr>
+                  </a:outerShdw>
+                </a:effectLst>
+              </a:rPr>
+              <a:t>ARP SNIFFER IN OPEN WIFI</a:t>
             </a:r>
             <a:endParaRPr lang="en-US" dirty="0">
               <a:solidFill>
@@ -3536,6 +3559,13 @@
                   <a:lumMod val="10000"/>
                 </a:schemeClr>
               </a:solidFill>
+              <a:effectLst>
+                <a:outerShdw blurRad="38100" dist="38100" dir="2700000" algn="tl">
+                  <a:srgbClr val="000000">
+                    <a:alpha val="43137"/>
+                  </a:srgbClr>
+                </a:outerShdw>
+              </a:effectLst>
             </a:endParaRPr>
           </a:p>
         </p:txBody>
@@ -3720,18 +3750,14 @@
             </a:r>
             <a:r>
               <a:rPr lang="en-US" sz="2400" b="1" dirty="0" smtClean="0"/>
+              <a:t> K </a:t>
+            </a:r>
+            <a:r>
+              <a:rPr lang="en-US" sz="2400" b="1" dirty="0"/>
               <a:t> </a:t>
             </a:r>
             <a:r>
-              <a:rPr lang="en-US" sz="2400" b="1" smtClean="0"/>
-              <a:t>K </a:t>
-            </a:r>
-            <a:r>
-              <a:rPr lang="en-US" sz="2400" b="1"/>
-              <a:t> </a:t>
-            </a:r>
-            <a:r>
-              <a:rPr lang="en-US" sz="2400" b="1" smtClean="0">
+              <a:rPr lang="en-US" sz="2400" b="1" dirty="0" smtClean="0">
                 <a:solidFill>
                   <a:schemeClr val="tx1">
                     <a:lumMod val="50000"/>
@@ -4238,59 +4264,30 @@
           <a:p>
             <a:r>
               <a:rPr lang="en-US" sz="2800" dirty="0" smtClean="0"/>
-              <a:t>In Existing system, It prevent the attack only </a:t>
-            </a:r>
+              <a:t>In Existing system, It prevent the attack only once at a time.</a:t>
+            </a:r>
+          </a:p>
+          <a:p>
             <a:r>
               <a:rPr lang="en-US" sz="2800" dirty="0" smtClean="0"/>
-              <a:t>once at a time.</a:t>
-            </a:r>
-            <a:endParaRPr lang="en-US" sz="2800" dirty="0" smtClean="0"/>
+              <a:t>If attacker do again, it can’t able to detect or prevent ARP poisoning attack.</a:t>
+            </a:r>
           </a:p>
           <a:p>
             <a:r>
               <a:rPr lang="en-US" sz="2800" dirty="0" smtClean="0"/>
-              <a:t>If attacker do </a:t>
-            </a:r>
+              <a:t>It cant work 5GHz network.</a:t>
+            </a:r>
+          </a:p>
+          <a:p>
             <a:r>
               <a:rPr lang="en-US" sz="2800" dirty="0" smtClean="0"/>
-              <a:t>again, </a:t>
+              <a:t>Using not updated tool and cant able to update that tools</a:t>
             </a:r>
             <a:r>
               <a:rPr lang="en-US" sz="2800" dirty="0" smtClean="0"/>
-              <a:t>it can’t able to detect or prevent ARP poisoning attack.</a:t>
-            </a:r>
-          </a:p>
-          <a:p>
-            <a:r>
-              <a:rPr lang="en-US" sz="2800" dirty="0" smtClean="0"/>
-              <a:t>It cant work 5GHz </a:t>
-            </a:r>
-            <a:r>
-              <a:rPr lang="en-US" sz="2800" dirty="0" smtClean="0"/>
-              <a:t>network.</a:t>
-            </a:r>
-            <a:endParaRPr lang="en-US" sz="2800" dirty="0" smtClean="0"/>
-          </a:p>
-          <a:p>
-            <a:r>
-              <a:rPr lang="en-US" sz="2800" dirty="0" smtClean="0"/>
-              <a:t>Using not updated tool </a:t>
-            </a:r>
-            <a:r>
-              <a:rPr lang="en-US" sz="2800" dirty="0" smtClean="0"/>
-              <a:t>and </a:t>
-            </a:r>
-            <a:r>
-              <a:rPr lang="en-US" sz="2800" dirty="0" smtClean="0"/>
-              <a:t>cant able to </a:t>
-            </a:r>
-            <a:r>
-              <a:rPr lang="en-US" sz="2800" dirty="0" smtClean="0"/>
-              <a:t>update that tools.</a:t>
-            </a:r>
-            <a:endParaRPr lang="en-US" sz="2800" dirty="0" smtClean="0"/>
-          </a:p>
-          <a:p>
+              <a:t>.</a:t>
+            </a:r>
             <a:endParaRPr lang="en-US" dirty="0" smtClean="0"/>
           </a:p>
           <a:p>
@@ -4385,11 +4382,7 @@
             </a:r>
             <a:r>
               <a:rPr lang="en-US" dirty="0" smtClean="0"/>
-              <a:t> scripting </a:t>
-            </a:r>
-            <a:r>
-              <a:rPr lang="en-US" dirty="0" smtClean="0"/>
-              <a:t>algorithm to stop ARP poisoning.</a:t>
+              <a:t> scripting algorithm to stop ARP poisoning.</a:t>
             </a:r>
           </a:p>
           <a:p>
@@ -4411,7 +4404,6 @@
               <a:rPr lang="en-US" dirty="0" smtClean="0"/>
               <a:t>If it is sent continuously it has conclude that our network has been affected by ARP poisoning.</a:t>
             </a:r>
-            <a:endParaRPr lang="en-US" dirty="0" smtClean="0"/>
           </a:p>
           <a:p>
             <a:endParaRPr lang="en-US" dirty="0" smtClean="0"/>
@@ -4461,7 +4453,7 @@
         </p:nvSpPr>
         <p:spPr>
           <a:xfrm>
-            <a:off x="533400" y="304800"/>
+            <a:off x="533400" y="35442"/>
             <a:ext cx="8229600" cy="1143000"/>
           </a:xfrm>
         </p:spPr>
@@ -4478,7 +4470,18 @@
                   </a:schemeClr>
                 </a:solidFill>
               </a:rPr>
-              <a:t>LITERATURE REVIEW</a:t>
+              <a:t>LITERATURE </a:t>
+            </a:r>
+            <a:r>
+              <a:rPr lang="en-US" i="1" dirty="0" smtClean="0">
+                <a:solidFill>
+                  <a:schemeClr val="tx1">
+                    <a:lumMod val="65000"/>
+                    <a:lumOff val="35000"/>
+                  </a:schemeClr>
+                </a:solidFill>
+              </a:rPr>
+              <a:t>REVIEW</a:t>
             </a:r>
             <a:endParaRPr lang="en-US" i="1" dirty="0">
               <a:solidFill>
@@ -4499,11 +4502,16 @@
           </p:cNvGraphicFramePr>
           <p:nvPr>
             <p:ph idx="1"/>
+            <p:extLst>
+              <p:ext uri="{D42A27DB-BD31-4B8C-83A1-F6EECF244321}">
+                <p14:modId xmlns:p14="http://schemas.microsoft.com/office/powerpoint/2010/main" val="1276907122"/>
+              </p:ext>
+            </p:extLst>
           </p:nvPr>
         </p:nvGraphicFramePr>
         <p:xfrm>
           <a:off x="304800" y="1219200"/>
-          <a:ext cx="8229599" cy="5501640"/>
+          <a:ext cx="8229599" cy="5516880"/>
         </p:xfrm>
         <a:graphic>
           <a:graphicData uri="http://schemas.openxmlformats.org/drawingml/2006/table">
@@ -4704,11 +4712,15 @@
                       </a:r>
                       <a:r>
                         <a:rPr lang="en-US" sz="1200" baseline="0" dirty="0" err="1" smtClean="0"/>
-                        <a:t>Nmap</a:t>
+                        <a:t>Zenmap</a:t>
                       </a:r>
                       <a:r>
                         <a:rPr lang="en-US" sz="1200" baseline="0" dirty="0" smtClean="0"/>
-                        <a:t> to </a:t>
+                        <a:t> </a:t>
+                      </a:r>
+                      <a:r>
+                        <a:rPr lang="en-US" sz="1200" baseline="0" dirty="0" smtClean="0"/>
+                        <a:t>to </a:t>
                       </a:r>
                       <a:r>
                         <a:rPr lang="en-US" sz="1200" baseline="0" dirty="0" err="1" smtClean="0"/>
@@ -4716,7 +4728,7 @@
                       </a:r>
                       <a:r>
                         <a:rPr lang="en-US" sz="1200" baseline="0" dirty="0" smtClean="0"/>
-                        <a:t> network .</a:t>
+                        <a:t> network.</a:t>
                       </a:r>
                       <a:endParaRPr lang="en-US" sz="1200" dirty="0"/>
                     </a:p>
@@ -4740,6 +4752,10 @@
                         <a:rPr lang="en-US" sz="1200" baseline="0" dirty="0" err="1" smtClean="0"/>
                         <a:t>ip</a:t>
                       </a:r>
+                      <a:r>
+                        <a:rPr lang="en-US" sz="1200" baseline="0" dirty="0" smtClean="0"/>
+                        <a:t>.</a:t>
+                      </a:r>
                       <a:endParaRPr lang="en-US" sz="1200" dirty="0"/>
                     </a:p>
                   </a:txBody>
@@ -4764,7 +4780,7 @@
                   <a:tcPr/>
                 </a:tc>
               </a:tr>
-              <a:tr h="1310640">
+              <a:tr h="1386840">
                 <a:tc>
                   <a:txBody>
                     <a:bodyPr/>
@@ -4962,11 +4978,11 @@
                       </a:r>
                       <a:r>
                         <a:rPr lang="en-US" sz="1200" baseline="0" dirty="0" smtClean="0"/>
-                        <a:t> network packets.</a:t>
-                      </a:r>
-                      <a:r>
-                        <a:rPr lang="en-US" sz="1200" dirty="0" smtClean="0"/>
-                        <a:t> Kiwi Monitor</a:t>
+                        <a:t> network </a:t>
+                      </a:r>
+                      <a:r>
+                        <a:rPr lang="en-US" sz="1200" baseline="0" dirty="0" smtClean="0"/>
+                        <a:t>packets</a:t>
                       </a:r>
                       <a:endParaRPr lang="en-US" sz="1200" dirty="0"/>
                     </a:p>
@@ -4980,9 +4996,8 @@
                     <a:p>
                       <a:r>
                         <a:rPr lang="en-US" sz="1200" dirty="0" smtClean="0"/>
-                        <a:t>smart network monitoring system</a:t>
-                      </a:r>
-                      <a:endParaRPr lang="en-US" sz="1200" dirty="0"/>
+                        <a:t>smart network monitoring system.</a:t>
+                      </a:r>
                     </a:p>
                   </a:txBody>
                   <a:tcPr/>
@@ -4992,7 +5007,15 @@
                     <a:bodyPr/>
                     <a:lstStyle/>
                     <a:p>
-                      <a:endParaRPr lang="en-US" sz="1200"/>
+                      <a:r>
+                        <a:rPr lang="en-US" sz="1200" dirty="0" smtClean="0"/>
+                        <a:t>Cant</a:t>
+                      </a:r>
+                      <a:r>
+                        <a:rPr lang="en-US" sz="1200" baseline="0" dirty="0" smtClean="0"/>
+                        <a:t> able to sniff https packet</a:t>
+                      </a:r>
+                      <a:endParaRPr lang="en-US" sz="1200" dirty="0" smtClean="0"/>
                     </a:p>
                   </a:txBody>
                   <a:tcPr/>
@@ -5164,6 +5187,122 @@
                       <a:r>
                         <a:rPr lang="en-US" sz="1200" dirty="0" smtClean="0"/>
                         <a:t>International Journal of Creative Research Thoughts, 2018</a:t>
+                      </a:r>
+                      <a:endParaRPr lang="en-US" sz="1200" dirty="0"/>
+                    </a:p>
+                  </a:txBody>
+                  <a:tcPr/>
+                </a:tc>
+                <a:tc>
+                  <a:txBody>
+                    <a:bodyPr/>
+                    <a:lstStyle/>
+                    <a:p>
+                      <a:r>
+                        <a:rPr lang="en-US" sz="1200" dirty="0" err="1" smtClean="0"/>
+                        <a:t>Nmap</a:t>
+                      </a:r>
+                      <a:r>
+                        <a:rPr lang="en-US" sz="1200" baseline="0" dirty="0" smtClean="0"/>
+                        <a:t> used to sniff total LAN with MAC address.</a:t>
+                      </a:r>
+                      <a:endParaRPr lang="en-US" sz="1200" dirty="0"/>
+                    </a:p>
+                  </a:txBody>
+                  <a:tcPr/>
+                </a:tc>
+                <a:tc>
+                  <a:txBody>
+                    <a:bodyPr/>
+                    <a:lstStyle/>
+                    <a:p>
+                      <a:r>
+                        <a:rPr lang="en-US" sz="1200" dirty="0" smtClean="0"/>
+                        <a:t>It can able to sniff</a:t>
+                      </a:r>
+                      <a:r>
+                        <a:rPr lang="en-US" sz="1200" baseline="0" dirty="0" smtClean="0"/>
+                        <a:t> to MAC address of user</a:t>
+                      </a:r>
+                      <a:endParaRPr lang="en-US" sz="1200" dirty="0"/>
+                    </a:p>
+                  </a:txBody>
+                  <a:tcPr/>
+                </a:tc>
+                <a:tc>
+                  <a:txBody>
+                    <a:bodyPr/>
+                    <a:lstStyle/>
+                    <a:p>
+                      <a:endParaRPr lang="en-US" sz="1200" dirty="0"/>
+                    </a:p>
+                  </a:txBody>
+                  <a:tcPr/>
+                </a:tc>
+              </a:tr>
+              <a:tr h="944880">
+                <a:tc>
+                  <a:txBody>
+                    <a:bodyPr/>
+                    <a:lstStyle/>
+                    <a:p>
+                      <a:r>
+                        <a:rPr lang="en-US" sz="1200" dirty="0" smtClean="0"/>
+                        <a:t>4</a:t>
+                      </a:r>
+                      <a:endParaRPr lang="en-US" sz="1200" dirty="0"/>
+                    </a:p>
+                  </a:txBody>
+                  <a:tcPr/>
+                </a:tc>
+                <a:tc>
+                  <a:txBody>
+                    <a:bodyPr/>
+                    <a:lstStyle/>
+                    <a:p>
+                      <a:r>
+                        <a:rPr lang="en-US" sz="1200" dirty="0" smtClean="0"/>
+                        <a:t>Capability of </a:t>
+                      </a:r>
+                      <a:r>
+                        <a:rPr lang="en-US" sz="1200" dirty="0" err="1" smtClean="0"/>
+                        <a:t>Wireshark</a:t>
+                      </a:r>
+                      <a:r>
+                        <a:rPr lang="en-US" sz="1200" dirty="0" smtClean="0"/>
+                        <a:t> as Intrusion Detection System</a:t>
+                      </a:r>
+                      <a:endParaRPr lang="en-US" sz="1200" dirty="0"/>
+                    </a:p>
+                  </a:txBody>
+                  <a:tcPr/>
+                </a:tc>
+                <a:tc>
+                  <a:txBody>
+                    <a:bodyPr/>
+                    <a:lstStyle/>
+                    <a:p>
+                      <a:r>
+                        <a:rPr lang="en-US" sz="1200" dirty="0" err="1" smtClean="0"/>
+                        <a:t>Sakshi</a:t>
+                      </a:r>
+                      <a:r>
+                        <a:rPr lang="en-US" sz="1200" dirty="0" smtClean="0"/>
+                        <a:t> Singh</a:t>
+                      </a:r>
+                      <a:endParaRPr lang="en-US" sz="1200" dirty="0"/>
+                    </a:p>
+                  </a:txBody>
+                  <a:tcPr/>
+                </a:tc>
+                <a:tc>
+                  <a:txBody>
+                    <a:bodyPr/>
+                    <a:lstStyle/>
+                    <a:p>
+                      <a:r>
+                        <a:rPr lang="en-US" sz="1200" dirty="0" smtClean="0"/>
+                        <a:t>International Journal of Recent Technology and Engineering, 2020</a:t>
                       </a:r>
                       <a:endParaRPr lang="en-US" sz="1200" dirty="0"/>
                     </a:p>
@@ -5201,7 +5340,7 @@
                   <a:tcPr/>
                 </a:tc>
               </a:tr>
-              <a:tr h="944880">
+              <a:tr h="929640">
                 <a:tc>
                   <a:txBody>
                     <a:bodyPr/>
@@ -5209,7 +5348,7 @@
                     <a:p>
                       <a:r>
                         <a:rPr lang="en-US" sz="1200" dirty="0" smtClean="0"/>
-                        <a:t>4</a:t>
+                        <a:t>5</a:t>
                       </a:r>
                       <a:endParaRPr lang="en-US" sz="1200" dirty="0"/>
                     </a:p>
@@ -5222,120 +5361,12 @@
                     <a:lstStyle/>
                     <a:p>
                       <a:r>
-                        <a:rPr lang="en-US" sz="1200" dirty="0" smtClean="0"/>
-                        <a:t>Capability </a:t>
-                      </a:r>
-                      <a:r>
-                        <a:rPr lang="en-US" sz="1200" dirty="0" smtClean="0"/>
-                        <a:t>of </a:t>
-                      </a:r>
-                      <a:r>
                         <a:rPr lang="en-US" sz="1200" dirty="0" err="1" smtClean="0"/>
                         <a:t>Wireshark</a:t>
                       </a:r>
                       <a:r>
                         <a:rPr lang="en-US" sz="1200" dirty="0" smtClean="0"/>
-                        <a:t> as Intrusion Detection System</a:t>
-                      </a:r>
-                      <a:endParaRPr lang="en-US" sz="1200" dirty="0"/>
-                    </a:p>
-                  </a:txBody>
-                  <a:tcPr/>
-                </a:tc>
-                <a:tc>
-                  <a:txBody>
-                    <a:bodyPr/>
-                    <a:lstStyle/>
-                    <a:p>
-                      <a:r>
-                        <a:rPr lang="en-US" sz="1200" dirty="0" err="1" smtClean="0"/>
-                        <a:t>Sakshi</a:t>
-                      </a:r>
-                      <a:r>
-                        <a:rPr lang="en-US" sz="1200" dirty="0" smtClean="0"/>
-                        <a:t> Singh</a:t>
-                      </a:r>
-                      <a:endParaRPr lang="en-US" sz="1200" dirty="0"/>
-                    </a:p>
-                  </a:txBody>
-                  <a:tcPr/>
-                </a:tc>
-                <a:tc>
-                  <a:txBody>
-                    <a:bodyPr/>
-                    <a:lstStyle/>
-                    <a:p>
-                      <a:r>
-                        <a:rPr lang="en-US" sz="1200" dirty="0" smtClean="0"/>
-                        <a:t>International Journal of Recent Technology and Engineering, 2020</a:t>
-                      </a:r>
-                      <a:endParaRPr lang="en-US" sz="1200" dirty="0"/>
-                    </a:p>
-                  </a:txBody>
-                  <a:tcPr/>
-                </a:tc>
-                <a:tc>
-                  <a:txBody>
-                    <a:bodyPr/>
-                    <a:lstStyle/>
-                    <a:p>
-                      <a:endParaRPr lang="en-US" sz="1200"/>
-                    </a:p>
-                  </a:txBody>
-                  <a:tcPr/>
-                </a:tc>
-                <a:tc>
-                  <a:txBody>
-                    <a:bodyPr/>
-                    <a:lstStyle/>
-                    <a:p>
-                      <a:endParaRPr lang="en-US" sz="1200"/>
-                    </a:p>
-                  </a:txBody>
-                  <a:tcPr/>
-                </a:tc>
-                <a:tc>
-                  <a:txBody>
-                    <a:bodyPr/>
-                    <a:lstStyle/>
-                    <a:p>
-                      <a:endParaRPr lang="en-US" sz="1200"/>
-                    </a:p>
-                  </a:txBody>
-                  <a:tcPr/>
-                </a:tc>
-              </a:tr>
-              <a:tr h="929640">
-                <a:tc>
-                  <a:txBody>
-                    <a:bodyPr/>
-                    <a:lstStyle/>
-                    <a:p>
-                      <a:r>
-                        <a:rPr lang="en-US" sz="1200" dirty="0" smtClean="0"/>
-                        <a:t>5</a:t>
-                      </a:r>
-                      <a:endParaRPr lang="en-US" sz="1200" dirty="0"/>
-                    </a:p>
-                  </a:txBody>
-                  <a:tcPr/>
-                </a:tc>
-                <a:tc>
-                  <a:txBody>
-                    <a:bodyPr/>
-                    <a:lstStyle/>
-                    <a:p>
-                      <a:r>
-                        <a:rPr lang="en-US" sz="1200" dirty="0" err="1" smtClean="0"/>
-                        <a:t>Wireshark</a:t>
-                      </a:r>
-                      <a:r>
-                        <a:rPr lang="en-US" sz="1200" dirty="0" smtClean="0"/>
-                        <a:t> </a:t>
-                      </a:r>
-                      <a:r>
-                        <a:rPr lang="en-US" sz="1200" dirty="0" smtClean="0"/>
-                        <a:t>as a tool for detection of various LAN attacks</a:t>
+                        <a:t> as a tool for detection of various LAN attacks</a:t>
                       </a:r>
                       <a:endParaRPr lang="en-US" sz="1200" dirty="0"/>
                     </a:p>
@@ -5414,6 +5445,66 @@
         </a:graphic>
       </p:graphicFrame>
     </p:spTree>
+  </p:cSld>
+  <p:clrMapOvr>
+    <a:masterClrMapping/>
+  </p:clrMapOvr>
+</p:sld>
+</file>
+
+<file path=ppt/slides/slide7.xml><?xml version="1.0" encoding="utf-8"?>
+<p:sld xmlns:a="http://schemas.openxmlformats.org/drawingml/2006/main" xmlns:r="http://schemas.openxmlformats.org/officeDocument/2006/relationships" xmlns:p="http://schemas.openxmlformats.org/presentationml/2006/main">
+  <p:cSld>
+    <p:spTree>
+      <p:nvGrpSpPr>
+        <p:cNvPr id="1" name=""/>
+        <p:cNvGrpSpPr/>
+        <p:nvPr/>
+      </p:nvGrpSpPr>
+      <p:grpSpPr>
+        <a:xfrm>
+          <a:off x="0" y="0"/>
+          <a:ext cx="0" cy="0"/>
+          <a:chOff x="0" y="0"/>
+          <a:chExt cx="0" cy="0"/>
+        </a:xfrm>
+      </p:grpSpPr>
+      <p:sp>
+        <p:nvSpPr>
+          <p:cNvPr id="3" name="TextBox 2"/>
+          <p:cNvSpPr txBox="1"/>
+          <p:nvPr/>
+        </p:nvSpPr>
+        <p:spPr>
+          <a:xfrm>
+            <a:off x="3276600" y="3428998"/>
+            <a:ext cx="2104230" cy="646331"/>
+          </a:xfrm>
+          <a:prstGeom prst="rect">
+            <a:avLst/>
+          </a:prstGeom>
+          <a:noFill/>
+        </p:spPr>
+        <p:txBody>
+          <a:bodyPr wrap="none" rtlCol="0">
+            <a:spAutoFit/>
+          </a:bodyPr>
+          <a:lstStyle/>
+          <a:p>
+            <a:r>
+              <a:rPr lang="en-US" sz="3600" dirty="0" smtClean="0"/>
+              <a:t>Thank You</a:t>
+            </a:r>
+            <a:endParaRPr lang="en-US" sz="3600" dirty="0"/>
+          </a:p>
+        </p:txBody>
+      </p:sp>
+    </p:spTree>
+    <p:extLst>
+      <p:ext uri="{BB962C8B-B14F-4D97-AF65-F5344CB8AC3E}">
+        <p14:creationId xmlns:p14="http://schemas.microsoft.com/office/powerpoint/2010/main" val="635989107"/>
+      </p:ext>
+    </p:extLst>
   </p:cSld>
   <p:clrMapOvr>
     <a:masterClrMapping/>
